--- a/git/git.pptx
+++ b/git/git.pptx
@@ -5,7 +5,7 @@
     <p:sldMasterId id="2147483648" r:id="rId1"/>
   </p:sldMasterIdLst>
   <p:notesMasterIdLst>
-    <p:notesMasterId r:id="rId16"/>
+    <p:notesMasterId r:id="rId19"/>
   </p:notesMasterIdLst>
   <p:sldIdLst>
     <p:sldId id="256" r:id="rId2"/>
@@ -21,7 +21,10 @@
     <p:sldId id="307" r:id="rId12"/>
     <p:sldId id="306" r:id="rId13"/>
     <p:sldId id="296" r:id="rId14"/>
-    <p:sldId id="271" r:id="rId15"/>
+    <p:sldId id="308" r:id="rId15"/>
+    <p:sldId id="309" r:id="rId16"/>
+    <p:sldId id="310" r:id="rId17"/>
+    <p:sldId id="271" r:id="rId18"/>
   </p:sldIdLst>
   <p:sldSz cx="9144000" cy="6858000" type="screen4x3"/>
   <p:notesSz cx="6858000" cy="9144000"/>
@@ -221,7 +224,7 @@
           <a:p>
             <a:fld id="{436134EC-835B-48D8-BDB5-96D4A8A8ACE7}" type="datetimeFigureOut">
               <a:rPr lang="en-US" smtClean="0"/>
-              <a:t>9/11/2017</a:t>
+              <a:t>9/17/2017</a:t>
             </a:fld>
             <a:endParaRPr lang="en-US"/>
           </a:p>
@@ -681,7 +684,7 @@
           <a:p>
             <a:fld id="{216C5678-EE20-4FA5-88E2-6E0BD67A2E26}" type="datetime1">
               <a:rPr lang="en-US" smtClean="0"/>
-              <a:t>9/11/2017</a:t>
+              <a:t>9/17/2017</a:t>
             </a:fld>
             <a:endParaRPr lang="en-US" dirty="0"/>
           </a:p>
@@ -851,7 +854,7 @@
           <a:p>
             <a:fld id="{EA051B39-B140-43FE-96DB-472A2B59CE7C}" type="datetime1">
               <a:rPr lang="en-US" smtClean="0"/>
-              <a:t>9/11/2017</a:t>
+              <a:t>9/17/2017</a:t>
             </a:fld>
             <a:endParaRPr lang="en-US"/>
           </a:p>
@@ -1031,7 +1034,7 @@
           <a:p>
             <a:fld id="{DA600BB2-27C5-458B-ABCE-839C88CF47CE}" type="datetime1">
               <a:rPr lang="en-US" smtClean="0"/>
-              <a:t>9/11/2017</a:t>
+              <a:t>9/17/2017</a:t>
             </a:fld>
             <a:endParaRPr lang="en-US"/>
           </a:p>
@@ -1219,7 +1222,7 @@
           <a:p>
             <a:fld id="{B11D738E-8962-435F-8C43-147B8DD7E819}" type="datetime1">
               <a:rPr lang="en-US" smtClean="0"/>
-              <a:t>9/11/2017</a:t>
+              <a:t>9/17/2017</a:t>
             </a:fld>
             <a:endParaRPr lang="en-US"/>
           </a:p>
@@ -1486,7 +1489,7 @@
           <a:p>
             <a:fld id="{09CAEA93-55E7-4DA9-90C2-089A26EEFEC4}" type="datetime1">
               <a:rPr lang="en-US" smtClean="0"/>
-              <a:t>9/11/2017</a:t>
+              <a:t>9/17/2017</a:t>
             </a:fld>
             <a:endParaRPr lang="en-US"/>
           </a:p>
@@ -1839,7 +1842,7 @@
           <a:p>
             <a:fld id="{E34CF3C7-6809-4F39-BD67-A75817BDDE0A}" type="datetime1">
               <a:rPr lang="en-US" smtClean="0"/>
-              <a:t>9/11/2017</a:t>
+              <a:t>9/17/2017</a:t>
             </a:fld>
             <a:endParaRPr lang="en-US"/>
           </a:p>
@@ -2152,7 +2155,7 @@
           <a:p>
             <a:fld id="{F7EAEB24-CE78-465C-A726-91D0868FA48F}" type="datetime1">
               <a:rPr lang="en-US" smtClean="0"/>
-              <a:t>9/11/2017</a:t>
+              <a:t>9/17/2017</a:t>
             </a:fld>
             <a:endParaRPr lang="en-US"/>
           </a:p>
@@ -2384,7 +2387,7 @@
           <a:p>
             <a:fld id="{40BAADF0-1749-4E8B-9691-B44A5F8C0895}" type="datetime1">
               <a:rPr lang="en-US" smtClean="0"/>
-              <a:t>9/11/2017</a:t>
+              <a:t>9/17/2017</a:t>
             </a:fld>
             <a:endParaRPr lang="en-US"/>
           </a:p>
@@ -2479,7 +2482,7 @@
           <a:p>
             <a:fld id="{A8AF628A-A867-4937-BBE5-207DB6F9C51A}" type="datetime1">
               <a:rPr lang="en-US" smtClean="0"/>
-              <a:t>9/11/2017</a:t>
+              <a:t>9/17/2017</a:t>
             </a:fld>
             <a:endParaRPr lang="en-US"/>
           </a:p>
@@ -2772,7 +2775,7 @@
           <a:p>
             <a:fld id="{118BBB94-68E6-4675-A946-F1C5994EDBD7}" type="datetime1">
               <a:rPr lang="en-US" smtClean="0"/>
-              <a:t>9/11/2017</a:t>
+              <a:t>9/17/2017</a:t>
             </a:fld>
             <a:endParaRPr lang="en-US"/>
           </a:p>
@@ -3046,7 +3049,7 @@
           <a:p>
             <a:fld id="{DC3B8377-21E3-4835-B75D-4E2847E2750F}" type="datetime1">
               <a:rPr lang="en-US" smtClean="0"/>
-              <a:t>9/11/2017</a:t>
+              <a:t>9/17/2017</a:t>
             </a:fld>
             <a:endParaRPr lang="en-US"/>
           </a:p>
@@ -3261,7 +3264,7 @@
           <a:p>
             <a:fld id="{B0C4986D-6BE9-4264-908F-02DB36FD8D6C}" type="datetime1">
               <a:rPr lang="en-US" smtClean="0"/>
-              <a:t>9/11/2017</a:t>
+              <a:t>9/17/2017</a:t>
             </a:fld>
             <a:endParaRPr lang="en-US" dirty="0"/>
           </a:p>
@@ -3863,7 +3866,7 @@
           <a:p>
             <a:fld id="{216C5678-EE20-4FA5-88E2-6E0BD67A2E26}" type="datetime1">
               <a:rPr lang="en-US" smtClean="0"/>
-              <a:t>9/11/2017</a:t>
+              <a:t>9/17/2017</a:t>
             </a:fld>
             <a:endParaRPr lang="en-US" dirty="0"/>
           </a:p>
@@ -4770,7 +4773,7 @@
           <a:p>
             <a:fld id="{216C5678-EE20-4FA5-88E2-6E0BD67A2E26}" type="datetime1">
               <a:rPr lang="en-US" smtClean="0"/>
-              <a:t>9/11/2017</a:t>
+              <a:t>9/17/2017</a:t>
             </a:fld>
             <a:endParaRPr lang="en-US" dirty="0"/>
           </a:p>
@@ -4833,8 +4836,8 @@
         </p:nvSpPr>
         <p:spPr>
           <a:xfrm>
-            <a:off x="304800" y="713064"/>
-            <a:ext cx="5162795" cy="685800"/>
+            <a:off x="304800" y="914400"/>
+            <a:ext cx="8001000" cy="4800600"/>
           </a:xfrm>
           <a:prstGeom prst="rect">
             <a:avLst/>
@@ -4881,9 +4884,129 @@
                   </a:schemeClr>
                 </a:solidFill>
               </a:rPr>
-              <a:t>Some simple commands</a:t>
-            </a:r>
-            <a:endParaRPr lang="en-US" sz="3200" u="sng" dirty="0">
+              <a:t>Some simple </a:t>
+            </a:r>
+            <a:r>
+              <a:rPr lang="en-US" sz="3200" u="sng" dirty="0" smtClean="0">
+                <a:solidFill>
+                  <a:schemeClr val="tx1">
+                    <a:lumMod val="65000"/>
+                    <a:lumOff val="35000"/>
+                  </a:schemeClr>
+                </a:solidFill>
+              </a:rPr>
+              <a:t>commands</a:t>
+            </a:r>
+          </a:p>
+          <a:p>
+            <a:pPr algn="l"/>
+            <a:r>
+              <a:rPr lang="en-US" sz="2000" dirty="0" smtClean="0">
+                <a:solidFill>
+                  <a:schemeClr val="tx1">
+                    <a:lumMod val="65000"/>
+                    <a:lumOff val="35000"/>
+                  </a:schemeClr>
+                </a:solidFill>
+              </a:rPr>
+              <a:t>Create local repo</a:t>
+            </a:r>
+          </a:p>
+          <a:p>
+            <a:pPr algn="l"/>
+            <a:r>
+              <a:rPr lang="en-US" sz="2000" dirty="0" err="1" smtClean="0">
+                <a:solidFill>
+                  <a:schemeClr val="tx1">
+                    <a:lumMod val="65000"/>
+                    <a:lumOff val="35000"/>
+                  </a:schemeClr>
+                </a:solidFill>
+              </a:rPr>
+              <a:t>Checkin</a:t>
+            </a:r>
+            <a:endParaRPr lang="en-US" sz="2000" dirty="0" smtClean="0">
+              <a:solidFill>
+                <a:schemeClr val="tx1">
+                  <a:lumMod val="65000"/>
+                  <a:lumOff val="35000"/>
+                </a:schemeClr>
+              </a:solidFill>
+            </a:endParaRPr>
+          </a:p>
+          <a:p>
+            <a:pPr algn="l"/>
+            <a:r>
+              <a:rPr lang="en-US" sz="2000" dirty="0" smtClean="0">
+                <a:solidFill>
+                  <a:schemeClr val="tx1">
+                    <a:lumMod val="65000"/>
+                    <a:lumOff val="35000"/>
+                  </a:schemeClr>
+                </a:solidFill>
+              </a:rPr>
+              <a:t>Push to remote</a:t>
+            </a:r>
+          </a:p>
+          <a:p>
+            <a:pPr algn="l"/>
+            <a:r>
+              <a:rPr lang="en-US" sz="2000" dirty="0" smtClean="0">
+                <a:solidFill>
+                  <a:schemeClr val="tx1">
+                    <a:lumMod val="65000"/>
+                    <a:lumOff val="35000"/>
+                  </a:schemeClr>
+                </a:solidFill>
+              </a:rPr>
+              <a:t>Check out</a:t>
+            </a:r>
+          </a:p>
+          <a:p>
+            <a:pPr algn="l"/>
+            <a:r>
+              <a:rPr lang="en-US" sz="2000" dirty="0" smtClean="0">
+                <a:solidFill>
+                  <a:schemeClr val="tx1">
+                    <a:lumMod val="65000"/>
+                    <a:lumOff val="35000"/>
+                  </a:schemeClr>
+                </a:solidFill>
+              </a:rPr>
+              <a:t>Create branch</a:t>
+            </a:r>
+          </a:p>
+          <a:p>
+            <a:pPr algn="l"/>
+            <a:r>
+              <a:rPr lang="en-US" sz="2000" dirty="0" smtClean="0">
+                <a:solidFill>
+                  <a:schemeClr val="tx1">
+                    <a:lumMod val="65000"/>
+                    <a:lumOff val="35000"/>
+                  </a:schemeClr>
+                </a:solidFill>
+              </a:rPr>
+              <a:t>Merge</a:t>
+            </a:r>
+          </a:p>
+          <a:p>
+            <a:pPr algn="l"/>
+            <a:r>
+              <a:rPr lang="en-US" sz="2000" dirty="0" smtClean="0">
+                <a:solidFill>
+                  <a:schemeClr val="tx1">
+                    <a:lumMod val="65000"/>
+                    <a:lumOff val="35000"/>
+                  </a:schemeClr>
+                </a:solidFill>
+              </a:rPr>
+              <a:t>Delete branch</a:t>
+            </a:r>
+          </a:p>
+          <a:p>
+            <a:pPr algn="l"/>
+            <a:endParaRPr lang="en-US" sz="2000" dirty="0">
               <a:solidFill>
                 <a:schemeClr val="tx1">
                   <a:lumMod val="65000"/>
@@ -4941,7 +5064,7 @@
           <a:p>
             <a:fld id="{216C5678-EE20-4FA5-88E2-6E0BD67A2E26}" type="datetime1">
               <a:rPr lang="en-US" smtClean="0"/>
-              <a:t>9/11/2017</a:t>
+              <a:t>9/17/2017</a:t>
             </a:fld>
             <a:endParaRPr lang="en-US" dirty="0"/>
           </a:p>
@@ -5055,47 +5178,88 @@
       </p:grpSpPr>
       <p:sp>
         <p:nvSpPr>
-          <p:cNvPr id="2" name="Title 1"/>
-          <p:cNvSpPr>
-            <a:spLocks noGrp="1"/>
-          </p:cNvSpPr>
-          <p:nvPr>
-            <p:ph type="ctrTitle"/>
+          <p:cNvPr id="4" name="Date Placeholder 3"/>
+          <p:cNvSpPr>
+            <a:spLocks noGrp="1"/>
+          </p:cNvSpPr>
+          <p:nvPr>
+            <p:ph type="dt" sz="half" idx="10"/>
+          </p:nvPr>
+        </p:nvSpPr>
+        <p:spPr/>
+        <p:txBody>
+          <a:bodyPr/>
+          <a:lstStyle/>
+          <a:p>
+            <a:fld id="{216C5678-EE20-4FA5-88E2-6E0BD67A2E26}" type="datetime1">
+              <a:rPr lang="en-US" smtClean="0"/>
+              <a:t>9/17/2017</a:t>
+            </a:fld>
+            <a:endParaRPr lang="en-US" dirty="0"/>
+          </a:p>
+        </p:txBody>
+      </p:sp>
+      <p:sp>
+        <p:nvSpPr>
+          <p:cNvPr id="5" name="Slide Number Placeholder 4"/>
+          <p:cNvSpPr>
+            <a:spLocks noGrp="1"/>
+          </p:cNvSpPr>
+          <p:nvPr>
+            <p:ph type="sldNum" sz="quarter" idx="11"/>
+          </p:nvPr>
+        </p:nvSpPr>
+        <p:spPr/>
+        <p:txBody>
+          <a:bodyPr/>
+          <a:lstStyle/>
+          <a:p>
+            <a:fld id="{BA9B540C-44DA-4F69-89C9-7C84606640D3}" type="slidenum">
+              <a:rPr lang="en-US" smtClean="0"/>
+              <a:pPr/>
+              <a:t>14</a:t>
+            </a:fld>
+            <a:endParaRPr lang="en-US" dirty="0"/>
+          </a:p>
+        </p:txBody>
+      </p:sp>
+      <p:sp>
+        <p:nvSpPr>
+          <p:cNvPr id="6" name="Footer Placeholder 5"/>
+          <p:cNvSpPr>
+            <a:spLocks noGrp="1"/>
+          </p:cNvSpPr>
+          <p:nvPr>
+            <p:ph type="ftr" sz="quarter" idx="12"/>
+          </p:nvPr>
+        </p:nvSpPr>
+        <p:spPr/>
+        <p:txBody>
+          <a:bodyPr/>
+          <a:lstStyle/>
+          <a:p>
+            <a:r>
+              <a:rPr lang="en-US" smtClean="0"/>
+              <a:t>Footer Text</a:t>
+            </a:r>
+            <a:endParaRPr lang="en-US" dirty="0"/>
+          </a:p>
+        </p:txBody>
+      </p:sp>
+      <p:sp>
+        <p:nvSpPr>
+          <p:cNvPr id="7" name="Subtitle 2"/>
+          <p:cNvSpPr>
+            <a:spLocks noGrp="1"/>
+          </p:cNvSpPr>
+          <p:nvPr>
+            <p:ph type="subTitle" idx="1"/>
           </p:nvPr>
         </p:nvSpPr>
         <p:spPr>
           <a:xfrm>
-            <a:off x="685800" y="228600"/>
-            <a:ext cx="7772400" cy="685800"/>
-          </a:xfrm>
-        </p:spPr>
-        <p:txBody>
-          <a:bodyPr/>
-          <a:lstStyle/>
-          <a:p>
-            <a:pPr algn="l"/>
-            <a:r>
-              <a:rPr lang="en-US" sz="4400" dirty="0" smtClean="0"/>
-              <a:t>Conclusion</a:t>
-            </a:r>
-            <a:endParaRPr lang="en-US" sz="4400" dirty="0"/>
-          </a:p>
-        </p:txBody>
-      </p:sp>
-      <p:sp>
-        <p:nvSpPr>
-          <p:cNvPr id="3" name="Subtitle 2"/>
-          <p:cNvSpPr>
-            <a:spLocks noGrp="1"/>
-          </p:cNvSpPr>
-          <p:nvPr>
-            <p:ph type="subTitle" idx="1"/>
-          </p:nvPr>
-        </p:nvSpPr>
-        <p:spPr>
-          <a:xfrm>
-            <a:off x="659165" y="1143000"/>
-            <a:ext cx="7315200" cy="1676400"/>
+            <a:off x="304800" y="304800"/>
+            <a:ext cx="8458200" cy="3124200"/>
           </a:xfrm>
         </p:spPr>
         <p:txBody>
@@ -5109,112 +5273,163 @@
               <a:buChar char="•"/>
             </a:pPr>
             <a:r>
-              <a:rPr lang="en-US" sz="3200" dirty="0" smtClean="0"/>
-              <a:t>Live-Server: </a:t>
-            </a:r>
-          </a:p>
-          <a:p>
-            <a:pPr marL="800100" lvl="1" indent="-342900" algn="l">
-              <a:buFontTx/>
-              <a:buChar char="-"/>
+              <a:rPr lang="en-US" dirty="0" smtClean="0"/>
+              <a:t>1</a:t>
+            </a:r>
+          </a:p>
+          <a:p>
+            <a:pPr marL="342900" indent="-342900" algn="l">
+              <a:buFont typeface="Arial" panose="020B0604020202020204" pitchFamily="34" charset="0"/>
+              <a:buChar char="•"/>
             </a:pPr>
             <a:r>
-              <a:rPr lang="en-US" sz="2400" dirty="0" smtClean="0"/>
-              <a:t>auto browser reload</a:t>
-            </a:r>
-          </a:p>
-          <a:p>
-            <a:pPr marL="800100" lvl="1" indent="-342900" algn="l">
-              <a:buFontTx/>
-              <a:buChar char="-"/>
+              <a:rPr lang="en-US" dirty="0" smtClean="0"/>
+              <a:t>Create an empty remote repo on </a:t>
+            </a:r>
+            <a:r>
+              <a:rPr lang="en-US" dirty="0" err="1" smtClean="0"/>
+              <a:t>github</a:t>
+            </a:r>
+            <a:endParaRPr lang="en-US" dirty="0" smtClean="0"/>
+          </a:p>
+          <a:p>
+            <a:pPr marL="342900" indent="-342900" algn="l">
+              <a:buFont typeface="Arial" panose="020B0604020202020204" pitchFamily="34" charset="0"/>
+              <a:buChar char="•"/>
             </a:pPr>
             <a:r>
-              <a:rPr lang="en-US" sz="2400" dirty="0" smtClean="0"/>
-              <a:t>Developer does not leave IDE</a:t>
-            </a:r>
-          </a:p>
-          <a:p>
-            <a:pPr marL="800100" lvl="1" indent="-342900" algn="l">
-              <a:buFontTx/>
-              <a:buChar char="-"/>
+              <a:rPr lang="en-US" dirty="0" smtClean="0"/>
+              <a:t>clone remote repo</a:t>
+            </a:r>
+          </a:p>
+          <a:p>
+            <a:pPr marL="342900" indent="-342900" algn="l">
+              <a:buFont typeface="Arial" panose="020B0604020202020204" pitchFamily="34" charset="0"/>
+              <a:buChar char="•"/>
             </a:pPr>
-            <a:endParaRPr lang="en-US" sz="2400" dirty="0"/>
-          </a:p>
-        </p:txBody>
-      </p:sp>
-      <p:sp>
-        <p:nvSpPr>
-          <p:cNvPr id="4" name="Date Placeholder 3"/>
-          <p:cNvSpPr>
-            <a:spLocks noGrp="1"/>
-          </p:cNvSpPr>
-          <p:nvPr>
-            <p:ph type="dt" sz="half" idx="10"/>
-          </p:nvPr>
-        </p:nvSpPr>
-        <p:spPr/>
-        <p:txBody>
-          <a:bodyPr/>
-          <a:lstStyle/>
-          <a:p>
-            <a:fld id="{216C5678-EE20-4FA5-88E2-6E0BD67A2E26}" type="datetime1">
-              <a:rPr lang="en-US" smtClean="0"/>
-              <a:t>9/11/2017</a:t>
-            </a:fld>
-            <a:endParaRPr lang="en-US" dirty="0"/>
-          </a:p>
-        </p:txBody>
-      </p:sp>
-      <p:sp>
-        <p:nvSpPr>
-          <p:cNvPr id="5" name="Slide Number Placeholder 4"/>
-          <p:cNvSpPr>
-            <a:spLocks noGrp="1"/>
-          </p:cNvSpPr>
-          <p:nvPr>
-            <p:ph type="sldNum" sz="quarter" idx="11"/>
-          </p:nvPr>
-        </p:nvSpPr>
-        <p:spPr/>
-        <p:txBody>
-          <a:bodyPr/>
-          <a:lstStyle/>
-          <a:p>
-            <a:fld id="{BA9B540C-44DA-4F69-89C9-7C84606640D3}" type="slidenum">
-              <a:rPr lang="en-US" smtClean="0"/>
-              <a:pPr/>
-              <a:t>14</a:t>
-            </a:fld>
-            <a:endParaRPr lang="en-US" dirty="0"/>
-          </a:p>
-        </p:txBody>
-      </p:sp>
-      <p:sp>
-        <p:nvSpPr>
-          <p:cNvPr id="6" name="Footer Placeholder 5"/>
-          <p:cNvSpPr>
-            <a:spLocks noGrp="1"/>
-          </p:cNvSpPr>
-          <p:nvPr>
-            <p:ph type="ftr" sz="quarter" idx="12"/>
-          </p:nvPr>
-        </p:nvSpPr>
-        <p:spPr/>
-        <p:txBody>
-          <a:bodyPr/>
-          <a:lstStyle/>
-          <a:p>
-            <a:r>
-              <a:rPr lang="en-US" smtClean="0"/>
-              <a:t>Footer Text</a:t>
-            </a:r>
-            <a:endParaRPr lang="en-US" dirty="0"/>
-          </a:p>
-        </p:txBody>
-      </p:sp>
-      <p:sp>
-        <p:nvSpPr>
-          <p:cNvPr id="7" name="Subtitle 2"/>
+            <a:r>
+              <a:rPr lang="en-US" dirty="0" smtClean="0"/>
+              <a:t>edit </a:t>
+            </a:r>
+            <a:r>
+              <a:rPr lang="en-US" dirty="0"/>
+              <a:t>a </a:t>
+            </a:r>
+            <a:r>
+              <a:rPr lang="en-US" dirty="0" smtClean="0"/>
+              <a:t>readme.txt and check in (using </a:t>
+            </a:r>
+            <a:r>
+              <a:rPr lang="en-US" dirty="0" err="1" smtClean="0"/>
+              <a:t>gitext</a:t>
+            </a:r>
+            <a:r>
+              <a:rPr lang="en-US" dirty="0" smtClean="0"/>
+              <a:t>)</a:t>
+            </a:r>
+          </a:p>
+          <a:p>
+            <a:pPr marL="342900" indent="-342900" algn="l">
+              <a:buFont typeface="Arial" panose="020B0604020202020204" pitchFamily="34" charset="0"/>
+              <a:buChar char="•"/>
+            </a:pPr>
+            <a:r>
+              <a:rPr lang="en-US" dirty="0" smtClean="0"/>
+              <a:t>Edit readme.txt and </a:t>
+            </a:r>
+            <a:r>
+              <a:rPr lang="en-US" dirty="0" err="1" smtClean="0"/>
+              <a:t>checkin</a:t>
+            </a:r>
+            <a:r>
+              <a:rPr lang="en-US" dirty="0" smtClean="0"/>
+              <a:t> (using </a:t>
+            </a:r>
+            <a:r>
+              <a:rPr lang="en-US" dirty="0" err="1" smtClean="0"/>
+              <a:t>git</a:t>
+            </a:r>
+            <a:r>
+              <a:rPr lang="en-US" dirty="0" smtClean="0"/>
+              <a:t> bash)</a:t>
+            </a:r>
+          </a:p>
+          <a:p>
+            <a:pPr marL="342900" indent="-342900" algn="l">
+              <a:buFont typeface="Arial" panose="020B0604020202020204" pitchFamily="34" charset="0"/>
+              <a:buChar char="•"/>
+            </a:pPr>
+            <a:r>
+              <a:rPr lang="en-US" dirty="0" smtClean="0"/>
+              <a:t>Show commits</a:t>
+            </a:r>
+          </a:p>
+          <a:p>
+            <a:pPr marL="342900" indent="-342900" algn="l">
+              <a:buFont typeface="Arial" panose="020B0604020202020204" pitchFamily="34" charset="0"/>
+              <a:buChar char="•"/>
+            </a:pPr>
+            <a:r>
+              <a:rPr lang="en-US" dirty="0" smtClean="0"/>
+              <a:t>push </a:t>
+            </a:r>
+            <a:r>
+              <a:rPr lang="en-US" dirty="0"/>
+              <a:t>to </a:t>
+            </a:r>
+            <a:r>
+              <a:rPr lang="en-US" dirty="0" smtClean="0"/>
+              <a:t>remote</a:t>
+            </a:r>
+          </a:p>
+          <a:p>
+            <a:pPr marL="342900" indent="-342900" algn="l">
+              <a:buFont typeface="Arial" panose="020B0604020202020204" pitchFamily="34" charset="0"/>
+              <a:buChar char="•"/>
+            </a:pPr>
+            <a:r>
+              <a:rPr lang="en-US" dirty="0" smtClean="0"/>
+              <a:t>view</a:t>
+            </a:r>
+            <a:r>
+              <a:rPr lang="en-US" dirty="0" smtClean="0"/>
+              <a:t> on </a:t>
+            </a:r>
+            <a:r>
+              <a:rPr lang="en-US" dirty="0" err="1" smtClean="0"/>
+              <a:t>github</a:t>
+            </a:r>
+            <a:r>
+              <a:rPr lang="en-US" dirty="0" smtClean="0"/>
+              <a:t>.</a:t>
+            </a:r>
+          </a:p>
+          <a:p>
+            <a:pPr marL="342900" indent="-342900" algn="l">
+              <a:buFont typeface="Arial" panose="020B0604020202020204" pitchFamily="34" charset="0"/>
+              <a:buChar char="•"/>
+            </a:pPr>
+            <a:endParaRPr lang="en-US" dirty="0" smtClean="0"/>
+          </a:p>
+          <a:p>
+            <a:pPr marL="342900" indent="-342900" algn="l">
+              <a:buFont typeface="Arial" panose="020B0604020202020204" pitchFamily="34" charset="0"/>
+              <a:buChar char="•"/>
+            </a:pPr>
+            <a:endParaRPr lang="en-US" dirty="0" smtClean="0"/>
+          </a:p>
+          <a:p>
+            <a:pPr marL="342900" indent="-342900" algn="l">
+              <a:buFont typeface="Arial" panose="020B0604020202020204" pitchFamily="34" charset="0"/>
+              <a:buChar char="•"/>
+            </a:pPr>
+            <a:endParaRPr lang="en-US" sz="3200" dirty="0"/>
+          </a:p>
+        </p:txBody>
+      </p:sp>
+      <p:sp>
+        <p:nvSpPr>
+          <p:cNvPr id="9" name="Subtitle 2"/>
           <p:cNvSpPr txBox="1">
             <a:spLocks/>
           </p:cNvSpPr>
@@ -5222,8 +5437,8 @@
         </p:nvSpPr>
         <p:spPr>
           <a:xfrm>
-            <a:off x="685800" y="2667000"/>
-            <a:ext cx="7315200" cy="1676400"/>
+            <a:off x="304800" y="4191000"/>
+            <a:ext cx="8458200" cy="3124200"/>
           </a:xfrm>
           <a:prstGeom prst="rect">
             <a:avLst/>
@@ -5390,33 +5605,586 @@
           </a:lstStyle>
           <a:p>
             <a:pPr marL="342900" indent="-342900" algn="l">
+              <a:buFont typeface="Arial" pitchFamily="34" charset="0"/>
+              <a:buChar char="•"/>
+            </a:pPr>
+            <a:r>
+              <a:rPr lang="en-US" dirty="0" smtClean="0"/>
+              <a:t>2</a:t>
+            </a:r>
+          </a:p>
+          <a:p>
+            <a:pPr marL="342900" indent="-342900" algn="l">
+              <a:buFont typeface="Arial" pitchFamily="34" charset="0"/>
+              <a:buChar char="•"/>
+            </a:pPr>
+            <a:r>
+              <a:rPr lang="en-US" dirty="0" smtClean="0"/>
+              <a:t>Show edit readme.txt to create few commits.  Show collapse of commits.</a:t>
+            </a:r>
+          </a:p>
+          <a:p>
+            <a:pPr marL="342900" indent="-342900" algn="l">
+              <a:buFont typeface="Arial" pitchFamily="34" charset="0"/>
+              <a:buChar char="•"/>
+            </a:pPr>
+            <a:r>
+              <a:rPr lang="en-US" dirty="0" smtClean="0"/>
+              <a:t>Show checkout of old commit 2 commits ago, then force commit to undo the 2 newer commits</a:t>
+            </a:r>
+          </a:p>
+          <a:p>
+            <a:pPr marL="342900" indent="-342900" algn="l">
+              <a:buFont typeface="Arial" pitchFamily="34" charset="0"/>
+              <a:buChar char="•"/>
+            </a:pPr>
+            <a:r>
+              <a:rPr lang="en-US" dirty="0" smtClean="0"/>
+              <a:t>Make bad commits, then can revert back to master using reset.</a:t>
+            </a:r>
+          </a:p>
+          <a:p>
+            <a:pPr marL="342900" indent="-342900" algn="l">
+              <a:buFont typeface="Arial" pitchFamily="34" charset="0"/>
+              <a:buChar char="•"/>
+            </a:pPr>
+            <a:endParaRPr lang="en-US" dirty="0" smtClean="0"/>
+          </a:p>
+          <a:p>
+            <a:pPr marL="342900" indent="-342900" algn="l">
+              <a:buFont typeface="Arial" pitchFamily="34" charset="0"/>
+              <a:buChar char="•"/>
+            </a:pPr>
+            <a:endParaRPr lang="en-US" sz="3200" dirty="0"/>
+          </a:p>
+        </p:txBody>
+      </p:sp>
+    </p:spTree>
+    <p:extLst>
+      <p:ext uri="{BB962C8B-B14F-4D97-AF65-F5344CB8AC3E}">
+        <p14:creationId xmlns:p14="http://schemas.microsoft.com/office/powerpoint/2010/main" val="2665197764"/>
+      </p:ext>
+    </p:extLst>
+  </p:cSld>
+  <p:clrMapOvr>
+    <a:masterClrMapping/>
+  </p:clrMapOvr>
+</p:sld>
+</file>
+
+<file path=ppt/slides/slide15.xml><?xml version="1.0" encoding="utf-8"?>
+<p:sld xmlns:a="http://schemas.openxmlformats.org/drawingml/2006/main" xmlns:r="http://schemas.openxmlformats.org/officeDocument/2006/relationships" xmlns:p="http://schemas.openxmlformats.org/presentationml/2006/main">
+  <p:cSld>
+    <p:spTree>
+      <p:nvGrpSpPr>
+        <p:cNvPr id="1" name=""/>
+        <p:cNvGrpSpPr/>
+        <p:nvPr/>
+      </p:nvGrpSpPr>
+      <p:grpSpPr>
+        <a:xfrm>
+          <a:off x="0" y="0"/>
+          <a:ext cx="0" cy="0"/>
+          <a:chOff x="0" y="0"/>
+          <a:chExt cx="0" cy="0"/>
+        </a:xfrm>
+      </p:grpSpPr>
+      <p:sp>
+        <p:nvSpPr>
+          <p:cNvPr id="4" name="Date Placeholder 3"/>
+          <p:cNvSpPr>
+            <a:spLocks noGrp="1"/>
+          </p:cNvSpPr>
+          <p:nvPr>
+            <p:ph type="dt" sz="half" idx="10"/>
+          </p:nvPr>
+        </p:nvSpPr>
+        <p:spPr/>
+        <p:txBody>
+          <a:bodyPr/>
+          <a:lstStyle/>
+          <a:p>
+            <a:fld id="{216C5678-EE20-4FA5-88E2-6E0BD67A2E26}" type="datetime1">
+              <a:rPr lang="en-US" smtClean="0"/>
+              <a:t>9/17/2017</a:t>
+            </a:fld>
+            <a:endParaRPr lang="en-US" dirty="0"/>
+          </a:p>
+        </p:txBody>
+      </p:sp>
+      <p:sp>
+        <p:nvSpPr>
+          <p:cNvPr id="5" name="Slide Number Placeholder 4"/>
+          <p:cNvSpPr>
+            <a:spLocks noGrp="1"/>
+          </p:cNvSpPr>
+          <p:nvPr>
+            <p:ph type="sldNum" sz="quarter" idx="11"/>
+          </p:nvPr>
+        </p:nvSpPr>
+        <p:spPr/>
+        <p:txBody>
+          <a:bodyPr/>
+          <a:lstStyle/>
+          <a:p>
+            <a:fld id="{BA9B540C-44DA-4F69-89C9-7C84606640D3}" type="slidenum">
+              <a:rPr lang="en-US" smtClean="0"/>
+              <a:pPr/>
+              <a:t>15</a:t>
+            </a:fld>
+            <a:endParaRPr lang="en-US" dirty="0"/>
+          </a:p>
+        </p:txBody>
+      </p:sp>
+      <p:sp>
+        <p:nvSpPr>
+          <p:cNvPr id="6" name="Footer Placeholder 5"/>
+          <p:cNvSpPr>
+            <a:spLocks noGrp="1"/>
+          </p:cNvSpPr>
+          <p:nvPr>
+            <p:ph type="ftr" sz="quarter" idx="12"/>
+          </p:nvPr>
+        </p:nvSpPr>
+        <p:spPr/>
+        <p:txBody>
+          <a:bodyPr/>
+          <a:lstStyle/>
+          <a:p>
+            <a:r>
+              <a:rPr lang="en-US" smtClean="0"/>
+              <a:t>Footer Text</a:t>
+            </a:r>
+            <a:endParaRPr lang="en-US" dirty="0"/>
+          </a:p>
+        </p:txBody>
+      </p:sp>
+      <p:sp>
+        <p:nvSpPr>
+          <p:cNvPr id="7" name="Subtitle 2"/>
+          <p:cNvSpPr>
+            <a:spLocks noGrp="1"/>
+          </p:cNvSpPr>
+          <p:nvPr>
+            <p:ph type="subTitle" idx="1"/>
+          </p:nvPr>
+        </p:nvSpPr>
+        <p:spPr>
+          <a:xfrm>
+            <a:off x="304800" y="304800"/>
+            <a:ext cx="8382000" cy="5105400"/>
+          </a:xfrm>
+        </p:spPr>
+        <p:txBody>
+          <a:bodyPr>
+            <a:noAutofit/>
+          </a:bodyPr>
+          <a:lstStyle/>
+          <a:p>
+            <a:pPr marL="342900" indent="-342900" algn="l">
               <a:buFont typeface="Arial" panose="020B0604020202020204" pitchFamily="34" charset="0"/>
               <a:buChar char="•"/>
             </a:pPr>
             <a:r>
+              <a:rPr lang="en-US" dirty="0" smtClean="0"/>
+              <a:t>3</a:t>
+            </a:r>
+          </a:p>
+          <a:p>
+            <a:pPr marL="342900" indent="-342900" algn="l">
+              <a:buFont typeface="Arial" panose="020B0604020202020204" pitchFamily="34" charset="0"/>
+              <a:buChar char="•"/>
+            </a:pPr>
+            <a:r>
+              <a:rPr lang="en-US" dirty="0" smtClean="0"/>
+              <a:t>Create branch</a:t>
+            </a:r>
+          </a:p>
+          <a:p>
+            <a:pPr marL="342900" indent="-342900" algn="l">
+              <a:buFont typeface="Arial" panose="020B0604020202020204" pitchFamily="34" charset="0"/>
+              <a:buChar char="•"/>
+            </a:pPr>
+            <a:r>
+              <a:rPr lang="en-US" dirty="0" smtClean="0"/>
+              <a:t>Add a test.java with couple of commits and push to remote.</a:t>
+            </a:r>
+          </a:p>
+          <a:p>
+            <a:pPr marL="342900" indent="-342900" algn="l">
+              <a:buFont typeface="Arial" panose="020B0604020202020204" pitchFamily="34" charset="0"/>
+              <a:buChar char="•"/>
+            </a:pPr>
+            <a:r>
+              <a:rPr lang="en-US" dirty="0" smtClean="0"/>
+              <a:t>Clone the same repo and update readme.txt and push to master.</a:t>
+            </a:r>
+          </a:p>
+          <a:p>
+            <a:pPr marL="342900" indent="-342900" algn="l">
+              <a:buFont typeface="Arial" panose="020B0604020202020204" pitchFamily="34" charset="0"/>
+              <a:buChar char="•"/>
+            </a:pPr>
+            <a:r>
+              <a:rPr lang="en-US" dirty="0" smtClean="0"/>
+              <a:t>On 1</a:t>
+            </a:r>
+            <a:r>
+              <a:rPr lang="en-US" baseline="30000" dirty="0" smtClean="0"/>
+              <a:t>st</a:t>
+            </a:r>
+            <a:r>
+              <a:rPr lang="en-US" dirty="0" smtClean="0"/>
+              <a:t> repo, do a pull and merge master to branch.  Sho</a:t>
+            </a:r>
+            <a:r>
+              <a:rPr lang="en-US" dirty="0" smtClean="0"/>
+              <a:t>w the loop.</a:t>
+            </a:r>
+          </a:p>
+          <a:p>
+            <a:pPr marL="342900" indent="-342900" algn="l">
+              <a:buFont typeface="Arial" panose="020B0604020202020204" pitchFamily="34" charset="0"/>
+              <a:buChar char="•"/>
+            </a:pPr>
+            <a:r>
+              <a:rPr lang="en-US" dirty="0" smtClean="0"/>
+              <a:t>Undo the merge and show a rebase master to branch and show the “straight line”.  Undo the rebase.</a:t>
+            </a:r>
+          </a:p>
+          <a:p>
+            <a:pPr marL="342900" indent="-342900" algn="l">
+              <a:buFont typeface="Arial" panose="020B0604020202020204" pitchFamily="34" charset="0"/>
+              <a:buChar char="•"/>
+            </a:pPr>
+            <a:r>
+              <a:rPr lang="en-US" dirty="0" smtClean="0"/>
+              <a:t>Check out master and merge branch to master.</a:t>
+            </a:r>
+            <a:endParaRPr lang="en-US" dirty="0" smtClean="0"/>
+          </a:p>
+          <a:p>
+            <a:pPr marL="342900" indent="-342900" algn="l">
+              <a:buFont typeface="Arial" panose="020B0604020202020204" pitchFamily="34" charset="0"/>
+              <a:buChar char="•"/>
+            </a:pPr>
+            <a:endParaRPr lang="en-US" dirty="0" smtClean="0"/>
+          </a:p>
+          <a:p>
+            <a:pPr marL="342900" indent="-342900" algn="l">
+              <a:buFont typeface="Arial" panose="020B0604020202020204" pitchFamily="34" charset="0"/>
+              <a:buChar char="•"/>
+            </a:pPr>
+            <a:endParaRPr lang="en-US" sz="3200" dirty="0"/>
+          </a:p>
+        </p:txBody>
+      </p:sp>
+    </p:spTree>
+    <p:extLst>
+      <p:ext uri="{BB962C8B-B14F-4D97-AF65-F5344CB8AC3E}">
+        <p14:creationId xmlns:p14="http://schemas.microsoft.com/office/powerpoint/2010/main" val="1004612304"/>
+      </p:ext>
+    </p:extLst>
+  </p:cSld>
+  <p:clrMapOvr>
+    <a:masterClrMapping/>
+  </p:clrMapOvr>
+</p:sld>
+</file>
+
+<file path=ppt/slides/slide16.xml><?xml version="1.0" encoding="utf-8"?>
+<p:sld xmlns:a="http://schemas.openxmlformats.org/drawingml/2006/main" xmlns:r="http://schemas.openxmlformats.org/officeDocument/2006/relationships" xmlns:p="http://schemas.openxmlformats.org/presentationml/2006/main">
+  <p:cSld>
+    <p:spTree>
+      <p:nvGrpSpPr>
+        <p:cNvPr id="1" name=""/>
+        <p:cNvGrpSpPr/>
+        <p:nvPr/>
+      </p:nvGrpSpPr>
+      <p:grpSpPr>
+        <a:xfrm>
+          <a:off x="0" y="0"/>
+          <a:ext cx="0" cy="0"/>
+          <a:chOff x="0" y="0"/>
+          <a:chExt cx="0" cy="0"/>
+        </a:xfrm>
+      </p:grpSpPr>
+      <p:sp>
+        <p:nvSpPr>
+          <p:cNvPr id="4" name="Date Placeholder 3"/>
+          <p:cNvSpPr>
+            <a:spLocks noGrp="1"/>
+          </p:cNvSpPr>
+          <p:nvPr>
+            <p:ph type="dt" sz="half" idx="10"/>
+          </p:nvPr>
+        </p:nvSpPr>
+        <p:spPr/>
+        <p:txBody>
+          <a:bodyPr/>
+          <a:lstStyle/>
+          <a:p>
+            <a:fld id="{216C5678-EE20-4FA5-88E2-6E0BD67A2E26}" type="datetime1">
+              <a:rPr lang="en-US" smtClean="0"/>
+              <a:t>9/17/2017</a:t>
+            </a:fld>
+            <a:endParaRPr lang="en-US" dirty="0"/>
+          </a:p>
+        </p:txBody>
+      </p:sp>
+      <p:sp>
+        <p:nvSpPr>
+          <p:cNvPr id="5" name="Slide Number Placeholder 4"/>
+          <p:cNvSpPr>
+            <a:spLocks noGrp="1"/>
+          </p:cNvSpPr>
+          <p:nvPr>
+            <p:ph type="sldNum" sz="quarter" idx="11"/>
+          </p:nvPr>
+        </p:nvSpPr>
+        <p:spPr/>
+        <p:txBody>
+          <a:bodyPr/>
+          <a:lstStyle/>
+          <a:p>
+            <a:fld id="{BA9B540C-44DA-4F69-89C9-7C84606640D3}" type="slidenum">
+              <a:rPr lang="en-US" smtClean="0"/>
+              <a:pPr/>
+              <a:t>16</a:t>
+            </a:fld>
+            <a:endParaRPr lang="en-US" dirty="0"/>
+          </a:p>
+        </p:txBody>
+      </p:sp>
+      <p:sp>
+        <p:nvSpPr>
+          <p:cNvPr id="6" name="Footer Placeholder 5"/>
+          <p:cNvSpPr>
+            <a:spLocks noGrp="1"/>
+          </p:cNvSpPr>
+          <p:nvPr>
+            <p:ph type="ftr" sz="quarter" idx="12"/>
+          </p:nvPr>
+        </p:nvSpPr>
+        <p:spPr/>
+        <p:txBody>
+          <a:bodyPr/>
+          <a:lstStyle/>
+          <a:p>
+            <a:r>
+              <a:rPr lang="en-US" smtClean="0"/>
+              <a:t>Footer Text</a:t>
+            </a:r>
+            <a:endParaRPr lang="en-US" dirty="0"/>
+          </a:p>
+        </p:txBody>
+      </p:sp>
+      <p:sp>
+        <p:nvSpPr>
+          <p:cNvPr id="7" name="Subtitle 2"/>
+          <p:cNvSpPr>
+            <a:spLocks noGrp="1"/>
+          </p:cNvSpPr>
+          <p:nvPr>
+            <p:ph type="subTitle" idx="1"/>
+          </p:nvPr>
+        </p:nvSpPr>
+        <p:spPr>
+          <a:xfrm>
+            <a:off x="304800" y="304800"/>
+            <a:ext cx="8382000" cy="5105400"/>
+          </a:xfrm>
+        </p:spPr>
+        <p:txBody>
+          <a:bodyPr>
+            <a:noAutofit/>
+          </a:bodyPr>
+          <a:lstStyle/>
+          <a:p>
+            <a:pPr marL="342900" indent="-342900" algn="l">
+              <a:buFont typeface="Arial" panose="020B0604020202020204" pitchFamily="34" charset="0"/>
+              <a:buChar char="•"/>
+            </a:pPr>
+            <a:r>
+              <a:rPr lang="en-US" dirty="0"/>
+              <a:t>4</a:t>
+            </a:r>
+            <a:endParaRPr lang="en-US" dirty="0" smtClean="0"/>
+          </a:p>
+          <a:p>
+            <a:pPr marL="342900" indent="-342900" algn="l">
+              <a:buFont typeface="Arial" panose="020B0604020202020204" pitchFamily="34" charset="0"/>
+              <a:buChar char="•"/>
+            </a:pPr>
+            <a:r>
+              <a:rPr lang="en-US" dirty="0" smtClean="0"/>
+              <a:t>Create commit on master and do a stash</a:t>
+            </a:r>
+          </a:p>
+          <a:p>
+            <a:pPr marL="342900" indent="-342900" algn="l">
+              <a:buFont typeface="Arial" panose="020B0604020202020204" pitchFamily="34" charset="0"/>
+              <a:buChar char="•"/>
+            </a:pPr>
+            <a:r>
+              <a:rPr lang="en-US" dirty="0" smtClean="0"/>
+              <a:t>Do some update on master and commit and push</a:t>
+            </a:r>
+          </a:p>
+          <a:p>
+            <a:pPr marL="342900" indent="-342900" algn="l">
+              <a:buFont typeface="Arial" panose="020B0604020202020204" pitchFamily="34" charset="0"/>
+              <a:buChar char="•"/>
+            </a:pPr>
+            <a:r>
+              <a:rPr lang="en-US" dirty="0" smtClean="0"/>
+              <a:t>Pop the stash.</a:t>
+            </a:r>
+          </a:p>
+          <a:p>
+            <a:pPr marL="342900" indent="-342900" algn="l">
+              <a:buFont typeface="Arial" panose="020B0604020202020204" pitchFamily="34" charset="0"/>
+              <a:buChar char="•"/>
+            </a:pPr>
+            <a:endParaRPr lang="en-US" dirty="0" smtClean="0"/>
+          </a:p>
+          <a:p>
+            <a:pPr marL="342900" indent="-342900" algn="l">
+              <a:buFont typeface="Arial" panose="020B0604020202020204" pitchFamily="34" charset="0"/>
+              <a:buChar char="•"/>
+            </a:pPr>
+            <a:endParaRPr lang="en-US" sz="3200" dirty="0"/>
+          </a:p>
+        </p:txBody>
+      </p:sp>
+    </p:spTree>
+    <p:extLst>
+      <p:ext uri="{BB962C8B-B14F-4D97-AF65-F5344CB8AC3E}">
+        <p14:creationId xmlns:p14="http://schemas.microsoft.com/office/powerpoint/2010/main" val="469866879"/>
+      </p:ext>
+    </p:extLst>
+  </p:cSld>
+  <p:clrMapOvr>
+    <a:masterClrMapping/>
+  </p:clrMapOvr>
+</p:sld>
+</file>
+
+<file path=ppt/slides/slide17.xml><?xml version="1.0" encoding="utf-8"?>
+<p:sld xmlns:a="http://schemas.openxmlformats.org/drawingml/2006/main" xmlns:r="http://schemas.openxmlformats.org/officeDocument/2006/relationships" xmlns:p="http://schemas.openxmlformats.org/presentationml/2006/main">
+  <p:cSld>
+    <p:spTree>
+      <p:nvGrpSpPr>
+        <p:cNvPr id="1" name=""/>
+        <p:cNvGrpSpPr/>
+        <p:nvPr/>
+      </p:nvGrpSpPr>
+      <p:grpSpPr>
+        <a:xfrm>
+          <a:off x="0" y="0"/>
+          <a:ext cx="0" cy="0"/>
+          <a:chOff x="0" y="0"/>
+          <a:chExt cx="0" cy="0"/>
+        </a:xfrm>
+      </p:grpSpPr>
+      <p:sp>
+        <p:nvSpPr>
+          <p:cNvPr id="2" name="Title 1"/>
+          <p:cNvSpPr>
+            <a:spLocks noGrp="1"/>
+          </p:cNvSpPr>
+          <p:nvPr>
+            <p:ph type="ctrTitle"/>
+          </p:nvPr>
+        </p:nvSpPr>
+        <p:spPr>
+          <a:xfrm>
+            <a:off x="685800" y="228600"/>
+            <a:ext cx="7772400" cy="685800"/>
+          </a:xfrm>
+        </p:spPr>
+        <p:txBody>
+          <a:bodyPr/>
+          <a:lstStyle/>
+          <a:p>
+            <a:pPr algn="l"/>
+            <a:r>
+              <a:rPr lang="en-US" sz="4400" dirty="0" smtClean="0"/>
+              <a:t>Conclusion</a:t>
+            </a:r>
+            <a:endParaRPr lang="en-US" sz="4400" dirty="0"/>
+          </a:p>
+        </p:txBody>
+      </p:sp>
+      <p:sp>
+        <p:nvSpPr>
+          <p:cNvPr id="3" name="Subtitle 2"/>
+          <p:cNvSpPr>
+            <a:spLocks noGrp="1"/>
+          </p:cNvSpPr>
+          <p:nvPr>
+            <p:ph type="subTitle" idx="1"/>
+          </p:nvPr>
+        </p:nvSpPr>
+        <p:spPr>
+          <a:xfrm>
+            <a:off x="659165" y="1143000"/>
+            <a:ext cx="7315200" cy="1676400"/>
+          </a:xfrm>
+        </p:spPr>
+        <p:txBody>
+          <a:bodyPr>
+            <a:noAutofit/>
+          </a:bodyPr>
+          <a:lstStyle/>
+          <a:p>
+            <a:pPr marL="342900" indent="-342900" algn="l">
+              <a:buFont typeface="Arial" panose="020B0604020202020204" pitchFamily="34" charset="0"/>
+              <a:buChar char="•"/>
+            </a:pPr>
+            <a:r>
               <a:rPr lang="en-US" sz="3200" dirty="0" smtClean="0"/>
-              <a:t>Browser-Sync: </a:t>
-            </a:r>
-          </a:p>
-          <a:p>
-            <a:pPr marL="800100" lvl="1" indent="-342900" algn="l">
-              <a:buFontTx/>
-              <a:buChar char="-"/>
+              <a:t>Discussion of </a:t>
+            </a:r>
+            <a:r>
+              <a:rPr lang="en-US" sz="3200" dirty="0" err="1" smtClean="0"/>
+              <a:t>Git</a:t>
+            </a:r>
+            <a:endParaRPr lang="en-US" sz="3200" dirty="0"/>
+          </a:p>
+          <a:p>
+            <a:pPr marL="342900" indent="-342900" algn="l">
+              <a:buFont typeface="Arial" panose="020B0604020202020204" pitchFamily="34" charset="0"/>
+              <a:buChar char="•"/>
             </a:pPr>
             <a:r>
-              <a:rPr lang="en-US" sz="2400" dirty="0" smtClean="0"/>
-              <a:t>Improve multi-browser testing.</a:t>
-            </a:r>
-          </a:p>
-          <a:p>
-            <a:pPr marL="800100" lvl="1" indent="-342900" algn="l">
-              <a:buFontTx/>
-              <a:buChar char="-"/>
+              <a:rPr lang="en-US" sz="3200" dirty="0" err="1" smtClean="0"/>
+              <a:t>GitExtension</a:t>
+            </a:r>
+            <a:r>
+              <a:rPr lang="en-US" sz="3200" dirty="0" smtClean="0"/>
+              <a:t> </a:t>
+            </a:r>
+            <a:r>
+              <a:rPr lang="en-US" sz="3200" dirty="0" err="1" smtClean="0"/>
+              <a:t>git</a:t>
+            </a:r>
+            <a:r>
+              <a:rPr lang="en-US" sz="3200" smtClean="0"/>
+              <a:t> client.</a:t>
+            </a:r>
+            <a:endParaRPr lang="en-US" sz="3200" dirty="0" smtClean="0"/>
+          </a:p>
+          <a:p>
+            <a:pPr marL="342900" indent="-342900" algn="l">
+              <a:buFont typeface="Arial" panose="020B0604020202020204" pitchFamily="34" charset="0"/>
+              <a:buChar char="•"/>
             </a:pPr>
             <a:r>
-              <a:rPr lang="en-US" sz="2400" dirty="0" smtClean="0"/>
-              <a:t>Not 100% mature</a:t>
-            </a:r>
+              <a:rPr lang="en-US" sz="3200" dirty="0" smtClean="0"/>
+              <a:t>Centralized vs Distributed SCM</a:t>
+            </a:r>
+            <a:endParaRPr lang="en-US" sz="2400" dirty="0" smtClean="0"/>
           </a:p>
           <a:p>
             <a:pPr marL="800100" lvl="1" indent="-342900" algn="l">
@@ -5429,216 +6197,71 @@
       </p:sp>
       <p:sp>
         <p:nvSpPr>
-          <p:cNvPr id="8" name="Subtitle 2"/>
-          <p:cNvSpPr txBox="1">
-            <a:spLocks/>
-          </p:cNvSpPr>
-          <p:nvPr/>
-        </p:nvSpPr>
-        <p:spPr>
-          <a:xfrm>
-            <a:off x="661088" y="4451350"/>
-            <a:ext cx="7315200" cy="1676400"/>
-          </a:xfrm>
-          <a:prstGeom prst="rect">
-            <a:avLst/>
-          </a:prstGeom>
-        </p:spPr>
-        <p:txBody>
-          <a:bodyPr vert="horz" lIns="91440" tIns="45720" rIns="91440" bIns="45720" rtlCol="0">
-            <a:noAutofit/>
-          </a:bodyPr>
-          <a:lstStyle>
-            <a:lvl1pPr marL="0" indent="0" algn="ctr" defTabSz="914400" rtl="0" eaLnBrk="1" latinLnBrk="0" hangingPunct="1">
-              <a:spcBef>
-                <a:spcPct val="20000"/>
-              </a:spcBef>
-              <a:buFont typeface="Arial" pitchFamily="34" charset="0"/>
-              <a:buNone/>
-              <a:defRPr sz="2400" kern="1200">
-                <a:solidFill>
-                  <a:schemeClr val="tx1">
-                    <a:tint val="75000"/>
-                  </a:schemeClr>
-                </a:solidFill>
-                <a:latin typeface="+mj-lt"/>
-                <a:ea typeface="+mn-ea"/>
-                <a:cs typeface="+mn-cs"/>
-              </a:defRPr>
-            </a:lvl1pPr>
-            <a:lvl2pPr marL="457200" indent="0" algn="ctr" defTabSz="914400" rtl="0" eaLnBrk="1" latinLnBrk="0" hangingPunct="1">
-              <a:spcBef>
-                <a:spcPct val="20000"/>
-              </a:spcBef>
-              <a:buFont typeface="Courier New" pitchFamily="49" charset="0"/>
-              <a:buNone/>
-              <a:defRPr sz="1600" kern="1200">
-                <a:solidFill>
-                  <a:schemeClr val="tx1">
-                    <a:tint val="75000"/>
-                  </a:schemeClr>
-                </a:solidFill>
-                <a:latin typeface="+mj-lt"/>
-                <a:ea typeface="+mn-ea"/>
-                <a:cs typeface="+mn-cs"/>
-              </a:defRPr>
-            </a:lvl2pPr>
-            <a:lvl3pPr marL="914400" indent="0" algn="ctr" defTabSz="914400" rtl="0" eaLnBrk="1" latinLnBrk="0" hangingPunct="1">
-              <a:spcBef>
-                <a:spcPct val="20000"/>
-              </a:spcBef>
-              <a:buFont typeface="Arial" pitchFamily="34" charset="0"/>
-              <a:buNone/>
-              <a:defRPr sz="1600" kern="1200">
-                <a:solidFill>
-                  <a:schemeClr val="tx1">
-                    <a:tint val="75000"/>
-                  </a:schemeClr>
-                </a:solidFill>
-                <a:latin typeface="+mj-lt"/>
-                <a:ea typeface="+mn-ea"/>
-                <a:cs typeface="+mn-cs"/>
-              </a:defRPr>
-            </a:lvl3pPr>
-            <a:lvl4pPr marL="1371600" indent="0" algn="ctr" defTabSz="914400" rtl="0" eaLnBrk="1" latinLnBrk="0" hangingPunct="1">
-              <a:spcBef>
-                <a:spcPct val="20000"/>
-              </a:spcBef>
-              <a:buFont typeface="Courier New" pitchFamily="49" charset="0"/>
-              <a:buNone/>
-              <a:defRPr sz="1600" kern="1200">
-                <a:solidFill>
-                  <a:schemeClr val="tx1">
-                    <a:tint val="75000"/>
-                  </a:schemeClr>
-                </a:solidFill>
-                <a:latin typeface="+mj-lt"/>
-                <a:ea typeface="+mn-ea"/>
-                <a:cs typeface="+mn-cs"/>
-              </a:defRPr>
-            </a:lvl4pPr>
-            <a:lvl5pPr marL="1828800" indent="0" algn="ctr" defTabSz="914400" rtl="0" eaLnBrk="1" latinLnBrk="0" hangingPunct="1">
-              <a:spcBef>
-                <a:spcPct val="20000"/>
-              </a:spcBef>
-              <a:buFont typeface="Arial" pitchFamily="34" charset="0"/>
-              <a:buNone/>
-              <a:defRPr sz="1600" kern="1200">
-                <a:solidFill>
-                  <a:schemeClr val="tx1">
-                    <a:tint val="75000"/>
-                  </a:schemeClr>
-                </a:solidFill>
-                <a:latin typeface="+mj-lt"/>
-                <a:ea typeface="+mn-ea"/>
-                <a:cs typeface="+mn-cs"/>
-              </a:defRPr>
-            </a:lvl5pPr>
-            <a:lvl6pPr marL="2286000" indent="0" algn="ctr" defTabSz="914400" rtl="0" eaLnBrk="1" latinLnBrk="0" hangingPunct="1">
-              <a:spcBef>
-                <a:spcPct val="20000"/>
-              </a:spcBef>
-              <a:buFont typeface="Courier New" pitchFamily="49" charset="0"/>
-              <a:buNone/>
-              <a:defRPr sz="1600" kern="1200">
-                <a:solidFill>
-                  <a:schemeClr val="tx1">
-                    <a:tint val="75000"/>
-                  </a:schemeClr>
-                </a:solidFill>
-                <a:latin typeface="+mj-lt"/>
-                <a:ea typeface="+mn-ea"/>
-                <a:cs typeface="+mn-cs"/>
-              </a:defRPr>
-            </a:lvl6pPr>
-            <a:lvl7pPr marL="2743200" indent="0" algn="ctr" defTabSz="914400" rtl="0" eaLnBrk="1" latinLnBrk="0" hangingPunct="1">
-              <a:spcBef>
-                <a:spcPct val="20000"/>
-              </a:spcBef>
-              <a:buFont typeface="Arial" pitchFamily="34" charset="0"/>
-              <a:buNone/>
-              <a:defRPr sz="1600" kern="1200">
-                <a:solidFill>
-                  <a:schemeClr val="tx1">
-                    <a:tint val="75000"/>
-                  </a:schemeClr>
-                </a:solidFill>
-                <a:latin typeface="+mj-lt"/>
-                <a:ea typeface="+mn-ea"/>
-                <a:cs typeface="+mn-cs"/>
-              </a:defRPr>
-            </a:lvl7pPr>
-            <a:lvl8pPr marL="3200400" indent="0" algn="ctr" defTabSz="914400" rtl="0" eaLnBrk="1" latinLnBrk="0" hangingPunct="1">
-              <a:spcBef>
-                <a:spcPct val="20000"/>
-              </a:spcBef>
-              <a:buFont typeface="Courier New" pitchFamily="49" charset="0"/>
-              <a:buNone/>
-              <a:defRPr sz="1600" kern="1200">
-                <a:solidFill>
-                  <a:schemeClr val="tx1">
-                    <a:tint val="75000"/>
-                  </a:schemeClr>
-                </a:solidFill>
-                <a:latin typeface="+mj-lt"/>
-                <a:ea typeface="+mn-ea"/>
-                <a:cs typeface="+mn-cs"/>
-              </a:defRPr>
-            </a:lvl8pPr>
-            <a:lvl9pPr marL="3657600" indent="0" algn="ctr" defTabSz="914400" rtl="0" eaLnBrk="1" latinLnBrk="0" hangingPunct="1">
-              <a:spcBef>
-                <a:spcPct val="20000"/>
-              </a:spcBef>
-              <a:buFont typeface="Arial" pitchFamily="34" charset="0"/>
-              <a:buNone/>
-              <a:defRPr sz="1600" kern="1200">
-                <a:solidFill>
-                  <a:schemeClr val="tx1">
-                    <a:tint val="75000"/>
-                  </a:schemeClr>
-                </a:solidFill>
-                <a:latin typeface="+mj-lt"/>
-                <a:ea typeface="+mn-ea"/>
-                <a:cs typeface="+mn-cs"/>
-              </a:defRPr>
-            </a:lvl9pPr>
-          </a:lstStyle>
-          <a:p>
-            <a:pPr marL="342900" indent="-342900" algn="l">
-              <a:buFont typeface="Arial" panose="020B0604020202020204" pitchFamily="34" charset="0"/>
-              <a:buChar char="•"/>
-            </a:pPr>
-            <a:r>
-              <a:rPr lang="en-US" sz="3200" dirty="0" smtClean="0"/>
-              <a:t>JSON Server: </a:t>
-            </a:r>
-          </a:p>
-          <a:p>
-            <a:pPr marL="800100" lvl="1" indent="-342900" algn="l">
-              <a:buFontTx/>
-              <a:buChar char="-"/>
-            </a:pPr>
-            <a:r>
-              <a:rPr lang="en-US" sz="2400" dirty="0" smtClean="0"/>
-              <a:t>Quickly mock REST APIs</a:t>
-            </a:r>
-          </a:p>
-          <a:p>
-            <a:pPr marL="800100" lvl="1" indent="-342900" algn="l">
-              <a:buFontTx/>
-              <a:buChar char="-"/>
-            </a:pPr>
-            <a:r>
-              <a:rPr lang="en-US" sz="2400" dirty="0" smtClean="0"/>
-              <a:t>Allow UI and Service to be develop in parallel</a:t>
-            </a:r>
-          </a:p>
-          <a:p>
-            <a:pPr marL="800100" lvl="1" indent="-342900" algn="l">
-              <a:buFontTx/>
-              <a:buChar char="-"/>
-            </a:pPr>
-            <a:endParaRPr lang="en-US" sz="2400" dirty="0"/>
+          <p:cNvPr id="4" name="Date Placeholder 3"/>
+          <p:cNvSpPr>
+            <a:spLocks noGrp="1"/>
+          </p:cNvSpPr>
+          <p:nvPr>
+            <p:ph type="dt" sz="half" idx="10"/>
+          </p:nvPr>
+        </p:nvSpPr>
+        <p:spPr/>
+        <p:txBody>
+          <a:bodyPr/>
+          <a:lstStyle/>
+          <a:p>
+            <a:fld id="{216C5678-EE20-4FA5-88E2-6E0BD67A2E26}" type="datetime1">
+              <a:rPr lang="en-US" smtClean="0"/>
+              <a:t>9/17/2017</a:t>
+            </a:fld>
+            <a:endParaRPr lang="en-US" dirty="0"/>
+          </a:p>
+        </p:txBody>
+      </p:sp>
+      <p:sp>
+        <p:nvSpPr>
+          <p:cNvPr id="5" name="Slide Number Placeholder 4"/>
+          <p:cNvSpPr>
+            <a:spLocks noGrp="1"/>
+          </p:cNvSpPr>
+          <p:nvPr>
+            <p:ph type="sldNum" sz="quarter" idx="11"/>
+          </p:nvPr>
+        </p:nvSpPr>
+        <p:spPr/>
+        <p:txBody>
+          <a:bodyPr/>
+          <a:lstStyle/>
+          <a:p>
+            <a:fld id="{BA9B540C-44DA-4F69-89C9-7C84606640D3}" type="slidenum">
+              <a:rPr lang="en-US" smtClean="0"/>
+              <a:pPr/>
+              <a:t>17</a:t>
+            </a:fld>
+            <a:endParaRPr lang="en-US" dirty="0"/>
+          </a:p>
+        </p:txBody>
+      </p:sp>
+      <p:sp>
+        <p:nvSpPr>
+          <p:cNvPr id="6" name="Footer Placeholder 5"/>
+          <p:cNvSpPr>
+            <a:spLocks noGrp="1"/>
+          </p:cNvSpPr>
+          <p:nvPr>
+            <p:ph type="ftr" sz="quarter" idx="12"/>
+          </p:nvPr>
+        </p:nvSpPr>
+        <p:spPr/>
+        <p:txBody>
+          <a:bodyPr/>
+          <a:lstStyle/>
+          <a:p>
+            <a:r>
+              <a:rPr lang="en-US" smtClean="0"/>
+              <a:t>Footer Text</a:t>
+            </a:r>
+            <a:endParaRPr lang="en-US" dirty="0"/>
           </a:p>
         </p:txBody>
       </p:sp>
@@ -5757,7 +6380,6 @@
               <a:rPr lang="en-US" sz="3200" dirty="0" smtClean="0"/>
               <a:t>.</a:t>
             </a:r>
-            <a:endParaRPr lang="en-US" sz="3200" dirty="0" smtClean="0"/>
           </a:p>
           <a:p>
             <a:pPr marL="342900" indent="-342900" algn="l">
@@ -5766,11 +6388,7 @@
             </a:pPr>
             <a:r>
               <a:rPr lang="en-US" sz="3200" dirty="0" smtClean="0"/>
-              <a:t>How </a:t>
-            </a:r>
-            <a:r>
-              <a:rPr lang="en-US" sz="3200" dirty="0" smtClean="0"/>
-              <a:t>to &amp; </a:t>
+              <a:t>How to &amp; </a:t>
             </a:r>
             <a:r>
               <a:rPr lang="en-US" sz="3200" dirty="0" err="1" smtClean="0"/>
@@ -5820,7 +6438,6 @@
               <a:rPr lang="en-US" sz="3200" dirty="0" smtClean="0"/>
               <a:t>Live Demo</a:t>
             </a:r>
-            <a:endParaRPr lang="en-US" sz="3200" dirty="0" smtClean="0"/>
           </a:p>
         </p:txBody>
       </p:sp>
@@ -5841,7 +6458,7 @@
           <a:p>
             <a:fld id="{216C5678-EE20-4FA5-88E2-6E0BD67A2E26}" type="datetime1">
               <a:rPr lang="en-US" smtClean="0"/>
-              <a:t>9/11/2017</a:t>
+              <a:t>9/17/2017</a:t>
             </a:fld>
             <a:endParaRPr lang="en-US" dirty="0"/>
           </a:p>
@@ -6070,7 +6687,7 @@
           <a:p>
             <a:fld id="{216C5678-EE20-4FA5-88E2-6E0BD67A2E26}" type="datetime1">
               <a:rPr lang="en-US" smtClean="0"/>
-              <a:t>9/11/2017</a:t>
+              <a:t>9/17/2017</a:t>
             </a:fld>
             <a:endParaRPr lang="en-US" dirty="0"/>
           </a:p>
@@ -6247,7 +6864,6 @@
               <a:rPr lang="en-US" sz="2400" dirty="0"/>
               <a:t>) to a subsystem level repo. </a:t>
             </a:r>
-            <a:endParaRPr lang="en-US" sz="2400" dirty="0"/>
           </a:p>
           <a:p>
             <a:pPr marL="800100" lvl="1" indent="-342900" algn="l">
@@ -6351,7 +6967,7 @@
           <a:p>
             <a:fld id="{216C5678-EE20-4FA5-88E2-6E0BD67A2E26}" type="datetime1">
               <a:rPr lang="en-US" smtClean="0"/>
-              <a:t>9/11/2017</a:t>
+              <a:t>9/17/2017</a:t>
             </a:fld>
             <a:endParaRPr lang="en-US" dirty="0"/>
           </a:p>
@@ -6586,7 +7202,7 @@
           <a:p>
             <a:fld id="{216C5678-EE20-4FA5-88E2-6E0BD67A2E26}" type="datetime1">
               <a:rPr lang="en-US" smtClean="0"/>
-              <a:t>9/11/2017</a:t>
+              <a:t>9/17/2017</a:t>
             </a:fld>
             <a:endParaRPr lang="en-US" dirty="0"/>
           </a:p>
@@ -6686,7 +7302,7 @@
           <a:p>
             <a:fld id="{216C5678-EE20-4FA5-88E2-6E0BD67A2E26}" type="datetime1">
               <a:rPr lang="en-US" smtClean="0"/>
-              <a:t>9/11/2017</a:t>
+              <a:t>9/17/2017</a:t>
             </a:fld>
             <a:endParaRPr lang="en-US" dirty="0"/>
           </a:p>
@@ -7380,7 +7996,7 @@
           <a:p>
             <a:fld id="{216C5678-EE20-4FA5-88E2-6E0BD67A2E26}" type="datetime1">
               <a:rPr lang="en-US" smtClean="0"/>
-              <a:t>9/11/2017</a:t>
+              <a:t>9/17/2017</a:t>
             </a:fld>
             <a:endParaRPr lang="en-US" dirty="0"/>
           </a:p>
@@ -8500,20 +9116,7 @@
                   </a:outerShdw>
                 </a:effectLst>
               </a:rPr>
-              <a:t> </a:t>
-            </a:r>
-            <a:r>
-              <a:rPr lang="en-US" dirty="0" smtClean="0">
-                <a:ln w="0"/>
-                <a:effectLst>
-                  <a:outerShdw blurRad="38100" dist="19050" dir="2700000" algn="tl" rotWithShape="0">
-                    <a:schemeClr val="dk1">
-                      <a:alpha val="40000"/>
-                    </a:schemeClr>
-                  </a:outerShdw>
-                </a:effectLst>
-              </a:rPr>
-              <a:t>fetch</a:t>
+              <a:t> fetch</a:t>
             </a:r>
             <a:endParaRPr lang="en-US" dirty="0">
               <a:ln w="0"/>
@@ -8871,7 +9474,7 @@
           <a:p>
             <a:fld id="{216C5678-EE20-4FA5-88E2-6E0BD67A2E26}" type="datetime1">
               <a:rPr lang="en-US" smtClean="0"/>
-              <a:t>9/11/2017</a:t>
+              <a:t>9/17/2017</a:t>
             </a:fld>
             <a:endParaRPr lang="en-US" dirty="0"/>
           </a:p>
@@ -8933,7 +9536,7 @@
           <p:nvPr>
             <p:extLst>
               <p:ext uri="{D42A27DB-BD31-4B8C-83A1-F6EECF244321}">
-                <p14:modId xmlns:p14="http://schemas.microsoft.com/office/powerpoint/2010/main" val="754670749"/>
+                <p14:modId xmlns:p14="http://schemas.microsoft.com/office/powerpoint/2010/main" val="1830581883"/>
               </p:ext>
             </p:extLst>
           </p:nvPr>
@@ -9159,7 +9762,11 @@
                     <a:bodyPr/>
                     <a:lstStyle/>
                     <a:p>
-                      <a:endParaRPr lang="en-US"/>
+                      <a:r>
+                        <a:rPr lang="en-US" dirty="0" smtClean="0"/>
+                        <a:t>stash</a:t>
+                      </a:r>
+                      <a:endParaRPr lang="en-US" dirty="0"/>
                     </a:p>
                   </a:txBody>
                   <a:tcPr/>
@@ -9169,7 +9776,11 @@
                     <a:bodyPr/>
                     <a:lstStyle/>
                     <a:p>
-                      <a:endParaRPr lang="en-US"/>
+                      <a:r>
+                        <a:rPr lang="en-US" dirty="0" smtClean="0"/>
+                        <a:t>NA</a:t>
+                      </a:r>
+                      <a:endParaRPr lang="en-US" dirty="0"/>
                     </a:p>
                   </a:txBody>
                   <a:tcPr/>
@@ -9186,7 +9797,11 @@
                     <a:bodyPr/>
                     <a:lstStyle/>
                     <a:p>
-                      <a:endParaRPr lang="en-US"/>
+                      <a:r>
+                        <a:rPr lang="en-US" dirty="0" smtClean="0"/>
+                        <a:t>rebase</a:t>
+                      </a:r>
+                      <a:endParaRPr lang="en-US" dirty="0"/>
                     </a:p>
                   </a:txBody>
                   <a:tcPr/>
@@ -9196,6 +9811,10 @@
                     <a:bodyPr/>
                     <a:lstStyle/>
                     <a:p>
+                      <a:r>
+                        <a:rPr lang="en-US" dirty="0" smtClean="0"/>
+                        <a:t>NA</a:t>
+                      </a:r>
                       <a:endParaRPr lang="en-US" dirty="0"/>
                     </a:p>
                   </a:txBody>
@@ -9295,7 +9914,7 @@
           <a:p>
             <a:fld id="{216C5678-EE20-4FA5-88E2-6E0BD67A2E26}" type="datetime1">
               <a:rPr lang="en-US" smtClean="0"/>
-              <a:t>9/11/2017</a:t>
+              <a:t>9/17/2017</a:t>
             </a:fld>
             <a:endParaRPr lang="en-US" dirty="0"/>
           </a:p>
@@ -9387,11 +10006,7 @@
             </a:r>
             <a:r>
               <a:rPr lang="en-US" dirty="0" err="1" smtClean="0"/>
-              <a:t>m</a:t>
-            </a:r>
-            <a:r>
-              <a:rPr lang="en-US" dirty="0" err="1" smtClean="0"/>
-              <a:t>sysgit</a:t>
+              <a:t>msysgit</a:t>
             </a:r>
             <a:r>
               <a:rPr lang="en-US" dirty="0" smtClean="0"/>
@@ -9440,7 +10055,6 @@
               <a:rPr lang="en-US" dirty="0" smtClean="0"/>
               <a:t>Files\Git2.13.3\bin\bash.exe </a:t>
             </a:r>
-            <a:endParaRPr lang="en-US" dirty="0" smtClean="0"/>
           </a:p>
           <a:p>
             <a:pPr marL="342900" indent="-342900" algn="l">

--- a/git/git.pptx
+++ b/git/git.pptx
@@ -5,7 +5,7 @@
     <p:sldMasterId id="2147483648" r:id="rId1"/>
   </p:sldMasterIdLst>
   <p:notesMasterIdLst>
-    <p:notesMasterId r:id="rId19"/>
+    <p:notesMasterId r:id="rId15"/>
   </p:notesMasterIdLst>
   <p:sldIdLst>
     <p:sldId id="256" r:id="rId2"/>
@@ -19,12 +19,8 @@
     <p:sldId id="299" r:id="rId10"/>
     <p:sldId id="300" r:id="rId11"/>
     <p:sldId id="307" r:id="rId12"/>
-    <p:sldId id="306" r:id="rId13"/>
-    <p:sldId id="296" r:id="rId14"/>
-    <p:sldId id="308" r:id="rId15"/>
-    <p:sldId id="309" r:id="rId16"/>
-    <p:sldId id="310" r:id="rId17"/>
-    <p:sldId id="271" r:id="rId18"/>
+    <p:sldId id="296" r:id="rId13"/>
+    <p:sldId id="271" r:id="rId14"/>
   </p:sldIdLst>
   <p:sldSz cx="9144000" cy="6858000" type="screen4x3"/>
   <p:notesSz cx="6858000" cy="9144000"/>
@@ -224,7 +220,7 @@
           <a:p>
             <a:fld id="{436134EC-835B-48D8-BDB5-96D4A8A8ACE7}" type="datetimeFigureOut">
               <a:rPr lang="en-US" smtClean="0"/>
-              <a:t>9/17/2017</a:t>
+              <a:t>10/1/2017</a:t>
             </a:fld>
             <a:endParaRPr lang="en-US"/>
           </a:p>
@@ -684,7 +680,7 @@
           <a:p>
             <a:fld id="{216C5678-EE20-4FA5-88E2-6E0BD67A2E26}" type="datetime1">
               <a:rPr lang="en-US" smtClean="0"/>
-              <a:t>9/17/2017</a:t>
+              <a:t>10/1/2017</a:t>
             </a:fld>
             <a:endParaRPr lang="en-US" dirty="0"/>
           </a:p>
@@ -854,7 +850,7 @@
           <a:p>
             <a:fld id="{EA051B39-B140-43FE-96DB-472A2B59CE7C}" type="datetime1">
               <a:rPr lang="en-US" smtClean="0"/>
-              <a:t>9/17/2017</a:t>
+              <a:t>10/1/2017</a:t>
             </a:fld>
             <a:endParaRPr lang="en-US"/>
           </a:p>
@@ -1034,7 +1030,7 @@
           <a:p>
             <a:fld id="{DA600BB2-27C5-458B-ABCE-839C88CF47CE}" type="datetime1">
               <a:rPr lang="en-US" smtClean="0"/>
-              <a:t>9/17/2017</a:t>
+              <a:t>10/1/2017</a:t>
             </a:fld>
             <a:endParaRPr lang="en-US"/>
           </a:p>
@@ -1222,7 +1218,7 @@
           <a:p>
             <a:fld id="{B11D738E-8962-435F-8C43-147B8DD7E819}" type="datetime1">
               <a:rPr lang="en-US" smtClean="0"/>
-              <a:t>9/17/2017</a:t>
+              <a:t>10/1/2017</a:t>
             </a:fld>
             <a:endParaRPr lang="en-US"/>
           </a:p>
@@ -1489,7 +1485,7 @@
           <a:p>
             <a:fld id="{09CAEA93-55E7-4DA9-90C2-089A26EEFEC4}" type="datetime1">
               <a:rPr lang="en-US" smtClean="0"/>
-              <a:t>9/17/2017</a:t>
+              <a:t>10/1/2017</a:t>
             </a:fld>
             <a:endParaRPr lang="en-US"/>
           </a:p>
@@ -1842,7 +1838,7 @@
           <a:p>
             <a:fld id="{E34CF3C7-6809-4F39-BD67-A75817BDDE0A}" type="datetime1">
               <a:rPr lang="en-US" smtClean="0"/>
-              <a:t>9/17/2017</a:t>
+              <a:t>10/1/2017</a:t>
             </a:fld>
             <a:endParaRPr lang="en-US"/>
           </a:p>
@@ -2155,7 +2151,7 @@
           <a:p>
             <a:fld id="{F7EAEB24-CE78-465C-A726-91D0868FA48F}" type="datetime1">
               <a:rPr lang="en-US" smtClean="0"/>
-              <a:t>9/17/2017</a:t>
+              <a:t>10/1/2017</a:t>
             </a:fld>
             <a:endParaRPr lang="en-US"/>
           </a:p>
@@ -2387,7 +2383,7 @@
           <a:p>
             <a:fld id="{40BAADF0-1749-4E8B-9691-B44A5F8C0895}" type="datetime1">
               <a:rPr lang="en-US" smtClean="0"/>
-              <a:t>9/17/2017</a:t>
+              <a:t>10/1/2017</a:t>
             </a:fld>
             <a:endParaRPr lang="en-US"/>
           </a:p>
@@ -2482,7 +2478,7 @@
           <a:p>
             <a:fld id="{A8AF628A-A867-4937-BBE5-207DB6F9C51A}" type="datetime1">
               <a:rPr lang="en-US" smtClean="0"/>
-              <a:t>9/17/2017</a:t>
+              <a:t>10/1/2017</a:t>
             </a:fld>
             <a:endParaRPr lang="en-US"/>
           </a:p>
@@ -2775,7 +2771,7 @@
           <a:p>
             <a:fld id="{118BBB94-68E6-4675-A946-F1C5994EDBD7}" type="datetime1">
               <a:rPr lang="en-US" smtClean="0"/>
-              <a:t>9/17/2017</a:t>
+              <a:t>10/1/2017</a:t>
             </a:fld>
             <a:endParaRPr lang="en-US"/>
           </a:p>
@@ -3049,7 +3045,7 @@
           <a:p>
             <a:fld id="{DC3B8377-21E3-4835-B75D-4E2847E2750F}" type="datetime1">
               <a:rPr lang="en-US" smtClean="0"/>
-              <a:t>9/17/2017</a:t>
+              <a:t>10/1/2017</a:t>
             </a:fld>
             <a:endParaRPr lang="en-US"/>
           </a:p>
@@ -3264,7 +3260,7 @@
           <a:p>
             <a:fld id="{B0C4986D-6BE9-4264-908F-02DB36FD8D6C}" type="datetime1">
               <a:rPr lang="en-US" smtClean="0"/>
-              <a:t>9/17/2017</a:t>
+              <a:t>10/1/2017</a:t>
             </a:fld>
             <a:endParaRPr lang="en-US" dirty="0"/>
           </a:p>
@@ -3798,7 +3794,12 @@
             <p:ph type="ctrTitle"/>
           </p:nvPr>
         </p:nvSpPr>
-        <p:spPr/>
+        <p:spPr>
+          <a:xfrm>
+            <a:off x="676922" y="762000"/>
+            <a:ext cx="7772400" cy="3657600"/>
+          </a:xfrm>
+        </p:spPr>
         <p:txBody>
           <a:bodyPr/>
           <a:lstStyle/>
@@ -3815,6 +3816,10 @@
               <a:rPr lang="en-US" dirty="0" err="1" smtClean="0"/>
               <a:t>GitExtension</a:t>
             </a:r>
+            <a:r>
+              <a:rPr lang="en-US" dirty="0" smtClean="0"/>
+              <a:t> Brownbag</a:t>
+            </a:r>
             <a:endParaRPr lang="en-US" dirty="0"/>
           </a:p>
         </p:txBody>
@@ -3829,7 +3834,12 @@
             <p:ph type="subTitle" idx="1"/>
           </p:nvPr>
         </p:nvSpPr>
-        <p:spPr/>
+        <p:spPr>
+          <a:xfrm>
+            <a:off x="1362722" y="4648200"/>
+            <a:ext cx="6400800" cy="1219200"/>
+          </a:xfrm>
+        </p:spPr>
         <p:txBody>
           <a:bodyPr/>
           <a:lstStyle/>
@@ -3843,7 +3853,7 @@
             </a:br>
             <a:r>
               <a:rPr lang="en-US" dirty="0" smtClean="0"/>
-              <a:t>9/2/2017</a:t>
+              <a:t>10/2/2017</a:t>
             </a:r>
             <a:endParaRPr lang="en-US" dirty="0"/>
           </a:p>
@@ -3866,7 +3876,7 @@
           <a:p>
             <a:fld id="{216C5678-EE20-4FA5-88E2-6E0BD67A2E26}" type="datetime1">
               <a:rPr lang="en-US" smtClean="0"/>
-              <a:t>9/17/2017</a:t>
+              <a:t>10/1/2017</a:t>
             </a:fld>
             <a:endParaRPr lang="en-US" dirty="0"/>
           </a:p>
@@ -4466,7 +4476,7 @@
         </p:blipFill>
         <p:spPr>
           <a:xfrm>
-            <a:off x="381000" y="4277997"/>
+            <a:off x="196595" y="4277997"/>
             <a:ext cx="4451605" cy="1665603"/>
           </a:xfrm>
           <a:prstGeom prst="rect">
@@ -4516,8 +4526,8 @@
         </p:nvSpPr>
         <p:spPr>
           <a:xfrm>
-            <a:off x="799810" y="3674231"/>
-            <a:ext cx="1638590" cy="369332"/>
+            <a:off x="2514600" y="3666247"/>
+            <a:ext cx="4362092" cy="646331"/>
           </a:xfrm>
           <a:prstGeom prst="rect">
             <a:avLst/>
@@ -4530,17 +4540,15 @@
           <a:lstStyle/>
           <a:p>
             <a:r>
-              <a:rPr lang="en-US" dirty="0" err="1"/>
-              <a:t>g</a:t>
-            </a:r>
-            <a:r>
               <a:rPr lang="en-US" dirty="0" err="1" smtClean="0"/>
-              <a:t>it</a:t>
-            </a:r>
-            <a:r>
-              <a:rPr lang="en-US" dirty="0" smtClean="0"/>
-              <a:t> commands</a:t>
-            </a:r>
+              <a:t>git</a:t>
+            </a:r>
+            <a:r>
+              <a:rPr lang="en-US" dirty="0"/>
+              <a:t> commands (https://git-scm.com/docs)</a:t>
+            </a:r>
+          </a:p>
+          <a:p>
             <a:endParaRPr lang="en-US" dirty="0"/>
           </a:p>
         </p:txBody>
@@ -4582,7 +4590,7 @@
         </p:nvSpPr>
         <p:spPr>
           <a:xfrm>
-            <a:off x="304800" y="5943600"/>
+            <a:off x="228600" y="3938555"/>
             <a:ext cx="1037463" cy="369332"/>
           </a:xfrm>
           <a:prstGeom prst="rect">
@@ -4721,59 +4729,22 @@
       </p:grpSpPr>
       <p:sp>
         <p:nvSpPr>
-          <p:cNvPr id="2" name="Title 1"/>
-          <p:cNvSpPr>
-            <a:spLocks noGrp="1"/>
-          </p:cNvSpPr>
-          <p:nvPr>
-            <p:ph type="ctrTitle"/>
-          </p:nvPr>
-        </p:nvSpPr>
-        <p:spPr>
-          <a:xfrm>
-            <a:off x="533400" y="27264"/>
-            <a:ext cx="7772400" cy="685800"/>
-          </a:xfrm>
-        </p:spPr>
+          <p:cNvPr id="4" name="Date Placeholder 3"/>
+          <p:cNvSpPr>
+            <a:spLocks noGrp="1"/>
+          </p:cNvSpPr>
+          <p:nvPr>
+            <p:ph type="dt" sz="half" idx="10"/>
+          </p:nvPr>
+        </p:nvSpPr>
+        <p:spPr/>
         <p:txBody>
           <a:bodyPr/>
           <a:lstStyle/>
           <a:p>
-            <a:pPr algn="l"/>
-            <a:r>
-              <a:rPr lang="en-US" sz="4000" dirty="0" smtClean="0"/>
-              <a:t>How to use </a:t>
-            </a:r>
-            <a:r>
-              <a:rPr lang="en-US" sz="4000" dirty="0" err="1" smtClean="0"/>
-              <a:t>Git</a:t>
-            </a:r>
-            <a:r>
-              <a:rPr lang="en-US" sz="4000" dirty="0" smtClean="0"/>
-              <a:t>?</a:t>
-            </a:r>
-            <a:endParaRPr lang="en-US" sz="4000" dirty="0"/>
-          </a:p>
-        </p:txBody>
-      </p:sp>
-      <p:sp>
-        <p:nvSpPr>
-          <p:cNvPr id="4" name="Date Placeholder 3"/>
-          <p:cNvSpPr>
-            <a:spLocks noGrp="1"/>
-          </p:cNvSpPr>
-          <p:nvPr>
-            <p:ph type="dt" sz="half" idx="10"/>
-          </p:nvPr>
-        </p:nvSpPr>
-        <p:spPr/>
-        <p:txBody>
-          <a:bodyPr/>
-          <a:lstStyle/>
-          <a:p>
             <a:fld id="{216C5678-EE20-4FA5-88E2-6E0BD67A2E26}" type="datetime1">
               <a:rPr lang="en-US" smtClean="0"/>
-              <a:t>9/17/2017</a:t>
+              <a:t>10/1/2017</a:t>
             </a:fld>
             <a:endParaRPr lang="en-US" dirty="0"/>
           </a:p>
@@ -4828,199 +4799,37 @@
       </p:sp>
       <p:sp>
         <p:nvSpPr>
-          <p:cNvPr id="7" name="Title 1"/>
-          <p:cNvSpPr txBox="1">
-            <a:spLocks/>
-          </p:cNvSpPr>
-          <p:nvPr/>
+          <p:cNvPr id="10" name="Title 1"/>
+          <p:cNvSpPr>
+            <a:spLocks noGrp="1"/>
+          </p:cNvSpPr>
+          <p:nvPr>
+            <p:ph type="ctrTitle"/>
+          </p:nvPr>
         </p:nvSpPr>
         <p:spPr>
           <a:xfrm>
-            <a:off x="304800" y="914400"/>
-            <a:ext cx="8001000" cy="4800600"/>
-          </a:xfrm>
-          <a:prstGeom prst="rect">
-            <a:avLst/>
-          </a:prstGeom>
-        </p:spPr>
-        <p:txBody>
-          <a:bodyPr vert="horz" lIns="91440" tIns="45720" rIns="91440" bIns="45720" rtlCol="0" anchor="b">
-            <a:noAutofit/>
-          </a:bodyPr>
-          <a:lstStyle>
-            <a:lvl1pPr algn="ctr" defTabSz="914400" rtl="0" eaLnBrk="1" latinLnBrk="0" hangingPunct="1">
-              <a:lnSpc>
-                <a:spcPct val="100000"/>
-              </a:lnSpc>
-              <a:spcBef>
-                <a:spcPct val="0"/>
-              </a:spcBef>
-              <a:buNone/>
-              <a:defRPr sz="8000" kern="1200">
-                <a:solidFill>
-                  <a:schemeClr val="tx2"/>
-                </a:solidFill>
-                <a:effectLst>
-                  <a:outerShdw blurRad="63500" dist="38100" dir="5400000" algn="t" rotWithShape="0">
-                    <a:prstClr val="black">
-                      <a:alpha val="25000"/>
-                    </a:prstClr>
-                  </a:outerShdw>
-                </a:effectLst>
-                <a:latin typeface="+mn-lt"/>
-                <a:ea typeface="+mj-ea"/>
-                <a:cs typeface="+mj-cs"/>
-              </a:defRPr>
-            </a:lvl1pPr>
-          </a:lstStyle>
+            <a:off x="2438400" y="1752600"/>
+            <a:ext cx="4343400" cy="1676400"/>
+          </a:xfrm>
+        </p:spPr>
+        <p:txBody>
+          <a:bodyPr/>
+          <a:lstStyle/>
           <a:p>
             <a:pPr algn="l"/>
             <a:r>
-              <a:rPr lang="en-US" sz="3200" u="sng" dirty="0" smtClean="0">
-                <a:solidFill>
-                  <a:schemeClr val="tx1">
-                    <a:lumMod val="65000"/>
-                    <a:lumOff val="35000"/>
-                  </a:schemeClr>
-                </a:solidFill>
-              </a:rPr>
-              <a:t>Some simple </a:t>
-            </a:r>
-            <a:r>
-              <a:rPr lang="en-US" sz="3200" u="sng" dirty="0" smtClean="0">
-                <a:solidFill>
-                  <a:schemeClr val="tx1">
-                    <a:lumMod val="65000"/>
-                    <a:lumOff val="35000"/>
-                  </a:schemeClr>
-                </a:solidFill>
-              </a:rPr>
-              <a:t>commands</a:t>
-            </a:r>
-          </a:p>
-          <a:p>
-            <a:pPr algn="l"/>
-            <a:r>
-              <a:rPr lang="en-US" sz="2000" dirty="0" smtClean="0">
-                <a:solidFill>
-                  <a:schemeClr val="tx1">
-                    <a:lumMod val="65000"/>
-                    <a:lumOff val="35000"/>
-                  </a:schemeClr>
-                </a:solidFill>
-              </a:rPr>
-              <a:t>Create local repo</a:t>
-            </a:r>
-          </a:p>
-          <a:p>
-            <a:pPr algn="l"/>
-            <a:r>
-              <a:rPr lang="en-US" sz="2000" dirty="0" err="1" smtClean="0">
-                <a:solidFill>
-                  <a:schemeClr val="tx1">
-                    <a:lumMod val="65000"/>
-                    <a:lumOff val="35000"/>
-                  </a:schemeClr>
-                </a:solidFill>
-              </a:rPr>
-              <a:t>Checkin</a:t>
-            </a:r>
-            <a:endParaRPr lang="en-US" sz="2000" dirty="0" smtClean="0">
-              <a:solidFill>
-                <a:schemeClr val="tx1">
-                  <a:lumMod val="65000"/>
-                  <a:lumOff val="35000"/>
-                </a:schemeClr>
-              </a:solidFill>
-            </a:endParaRPr>
-          </a:p>
-          <a:p>
-            <a:pPr algn="l"/>
-            <a:r>
-              <a:rPr lang="en-US" sz="2000" dirty="0" smtClean="0">
-                <a:solidFill>
-                  <a:schemeClr val="tx1">
-                    <a:lumMod val="65000"/>
-                    <a:lumOff val="35000"/>
-                  </a:schemeClr>
-                </a:solidFill>
-              </a:rPr>
-              <a:t>Push to remote</a:t>
-            </a:r>
-          </a:p>
-          <a:p>
-            <a:pPr algn="l"/>
-            <a:r>
-              <a:rPr lang="en-US" sz="2000" dirty="0" smtClean="0">
-                <a:solidFill>
-                  <a:schemeClr val="tx1">
-                    <a:lumMod val="65000"/>
-                    <a:lumOff val="35000"/>
-                  </a:schemeClr>
-                </a:solidFill>
-              </a:rPr>
-              <a:t>Check out</a:t>
-            </a:r>
-          </a:p>
-          <a:p>
-            <a:pPr algn="l"/>
-            <a:r>
-              <a:rPr lang="en-US" sz="2000" dirty="0" smtClean="0">
-                <a:solidFill>
-                  <a:schemeClr val="tx1">
-                    <a:lumMod val="65000"/>
-                    <a:lumOff val="35000"/>
-                  </a:schemeClr>
-                </a:solidFill>
-              </a:rPr>
-              <a:t>Create branch</a:t>
-            </a:r>
-          </a:p>
-          <a:p>
-            <a:pPr algn="l"/>
-            <a:r>
-              <a:rPr lang="en-US" sz="2000" dirty="0" smtClean="0">
-                <a:solidFill>
-                  <a:schemeClr val="tx1">
-                    <a:lumMod val="65000"/>
-                    <a:lumOff val="35000"/>
-                  </a:schemeClr>
-                </a:solidFill>
-              </a:rPr>
-              <a:t>Merge</a:t>
-            </a:r>
-          </a:p>
-          <a:p>
-            <a:pPr algn="l"/>
-            <a:r>
-              <a:rPr lang="en-US" sz="2000" dirty="0" smtClean="0">
-                <a:solidFill>
-                  <a:schemeClr val="tx1">
-                    <a:lumMod val="65000"/>
-                    <a:lumOff val="35000"/>
-                  </a:schemeClr>
-                </a:solidFill>
-              </a:rPr>
-              <a:t>Delete branch</a:t>
-            </a:r>
-          </a:p>
-          <a:p>
-            <a:pPr algn="l"/>
-            <a:endParaRPr lang="en-US" sz="2000" dirty="0">
-              <a:solidFill>
-                <a:schemeClr val="tx1">
-                  <a:lumMod val="65000"/>
-                  <a:lumOff val="35000"/>
-                </a:schemeClr>
-              </a:solidFill>
-            </a:endParaRPr>
+              <a:rPr lang="en-US" sz="6000" dirty="0" smtClean="0"/>
+              <a:t>Live Demo</a:t>
+            </a:r>
+            <a:endParaRPr lang="en-US" sz="6000" dirty="0"/>
           </a:p>
         </p:txBody>
       </p:sp>
     </p:spTree>
     <p:extLst>
       <p:ext uri="{BB962C8B-B14F-4D97-AF65-F5344CB8AC3E}">
-        <p14:creationId xmlns:p14="http://schemas.microsoft.com/office/powerpoint/2010/main" val="3168200075"/>
+        <p14:creationId xmlns:p14="http://schemas.microsoft.com/office/powerpoint/2010/main" val="2908491209"/>
       </p:ext>
     </p:extLst>
   </p:cSld>
@@ -5049,1046 +4858,6 @@
       </p:grpSpPr>
       <p:sp>
         <p:nvSpPr>
-          <p:cNvPr id="4" name="Date Placeholder 3"/>
-          <p:cNvSpPr>
-            <a:spLocks noGrp="1"/>
-          </p:cNvSpPr>
-          <p:nvPr>
-            <p:ph type="dt" sz="half" idx="10"/>
-          </p:nvPr>
-        </p:nvSpPr>
-        <p:spPr/>
-        <p:txBody>
-          <a:bodyPr/>
-          <a:lstStyle/>
-          <a:p>
-            <a:fld id="{216C5678-EE20-4FA5-88E2-6E0BD67A2E26}" type="datetime1">
-              <a:rPr lang="en-US" smtClean="0"/>
-              <a:t>9/17/2017</a:t>
-            </a:fld>
-            <a:endParaRPr lang="en-US" dirty="0"/>
-          </a:p>
-        </p:txBody>
-      </p:sp>
-      <p:sp>
-        <p:nvSpPr>
-          <p:cNvPr id="5" name="Slide Number Placeholder 4"/>
-          <p:cNvSpPr>
-            <a:spLocks noGrp="1"/>
-          </p:cNvSpPr>
-          <p:nvPr>
-            <p:ph type="sldNum" sz="quarter" idx="11"/>
-          </p:nvPr>
-        </p:nvSpPr>
-        <p:spPr/>
-        <p:txBody>
-          <a:bodyPr/>
-          <a:lstStyle/>
-          <a:p>
-            <a:fld id="{BA9B540C-44DA-4F69-89C9-7C84606640D3}" type="slidenum">
-              <a:rPr lang="en-US" smtClean="0"/>
-              <a:pPr/>
-              <a:t>13</a:t>
-            </a:fld>
-            <a:endParaRPr lang="en-US" dirty="0"/>
-          </a:p>
-        </p:txBody>
-      </p:sp>
-      <p:sp>
-        <p:nvSpPr>
-          <p:cNvPr id="6" name="Footer Placeholder 5"/>
-          <p:cNvSpPr>
-            <a:spLocks noGrp="1"/>
-          </p:cNvSpPr>
-          <p:nvPr>
-            <p:ph type="ftr" sz="quarter" idx="12"/>
-          </p:nvPr>
-        </p:nvSpPr>
-        <p:spPr/>
-        <p:txBody>
-          <a:bodyPr/>
-          <a:lstStyle/>
-          <a:p>
-            <a:r>
-              <a:rPr lang="en-US" smtClean="0"/>
-              <a:t>Footer Text</a:t>
-            </a:r>
-            <a:endParaRPr lang="en-US" dirty="0"/>
-          </a:p>
-        </p:txBody>
-      </p:sp>
-      <p:sp>
-        <p:nvSpPr>
-          <p:cNvPr id="10" name="Title 1"/>
-          <p:cNvSpPr>
-            <a:spLocks noGrp="1"/>
-          </p:cNvSpPr>
-          <p:nvPr>
-            <p:ph type="ctrTitle"/>
-          </p:nvPr>
-        </p:nvSpPr>
-        <p:spPr>
-          <a:xfrm>
-            <a:off x="2438400" y="1752600"/>
-            <a:ext cx="4343400" cy="1676400"/>
-          </a:xfrm>
-        </p:spPr>
-        <p:txBody>
-          <a:bodyPr/>
-          <a:lstStyle/>
-          <a:p>
-            <a:pPr algn="l"/>
-            <a:r>
-              <a:rPr lang="en-US" sz="6000" dirty="0" smtClean="0"/>
-              <a:t>Live Demo</a:t>
-            </a:r>
-            <a:endParaRPr lang="en-US" sz="6000" dirty="0"/>
-          </a:p>
-        </p:txBody>
-      </p:sp>
-    </p:spTree>
-    <p:extLst>
-      <p:ext uri="{BB962C8B-B14F-4D97-AF65-F5344CB8AC3E}">
-        <p14:creationId xmlns:p14="http://schemas.microsoft.com/office/powerpoint/2010/main" val="2908491209"/>
-      </p:ext>
-    </p:extLst>
-  </p:cSld>
-  <p:clrMapOvr>
-    <a:masterClrMapping/>
-  </p:clrMapOvr>
-</p:sld>
-</file>
-
-<file path=ppt/slides/slide14.xml><?xml version="1.0" encoding="utf-8"?>
-<p:sld xmlns:a="http://schemas.openxmlformats.org/drawingml/2006/main" xmlns:r="http://schemas.openxmlformats.org/officeDocument/2006/relationships" xmlns:p="http://schemas.openxmlformats.org/presentationml/2006/main">
-  <p:cSld>
-    <p:spTree>
-      <p:nvGrpSpPr>
-        <p:cNvPr id="1" name=""/>
-        <p:cNvGrpSpPr/>
-        <p:nvPr/>
-      </p:nvGrpSpPr>
-      <p:grpSpPr>
-        <a:xfrm>
-          <a:off x="0" y="0"/>
-          <a:ext cx="0" cy="0"/>
-          <a:chOff x="0" y="0"/>
-          <a:chExt cx="0" cy="0"/>
-        </a:xfrm>
-      </p:grpSpPr>
-      <p:sp>
-        <p:nvSpPr>
-          <p:cNvPr id="4" name="Date Placeholder 3"/>
-          <p:cNvSpPr>
-            <a:spLocks noGrp="1"/>
-          </p:cNvSpPr>
-          <p:nvPr>
-            <p:ph type="dt" sz="half" idx="10"/>
-          </p:nvPr>
-        </p:nvSpPr>
-        <p:spPr/>
-        <p:txBody>
-          <a:bodyPr/>
-          <a:lstStyle/>
-          <a:p>
-            <a:fld id="{216C5678-EE20-4FA5-88E2-6E0BD67A2E26}" type="datetime1">
-              <a:rPr lang="en-US" smtClean="0"/>
-              <a:t>9/17/2017</a:t>
-            </a:fld>
-            <a:endParaRPr lang="en-US" dirty="0"/>
-          </a:p>
-        </p:txBody>
-      </p:sp>
-      <p:sp>
-        <p:nvSpPr>
-          <p:cNvPr id="5" name="Slide Number Placeholder 4"/>
-          <p:cNvSpPr>
-            <a:spLocks noGrp="1"/>
-          </p:cNvSpPr>
-          <p:nvPr>
-            <p:ph type="sldNum" sz="quarter" idx="11"/>
-          </p:nvPr>
-        </p:nvSpPr>
-        <p:spPr/>
-        <p:txBody>
-          <a:bodyPr/>
-          <a:lstStyle/>
-          <a:p>
-            <a:fld id="{BA9B540C-44DA-4F69-89C9-7C84606640D3}" type="slidenum">
-              <a:rPr lang="en-US" smtClean="0"/>
-              <a:pPr/>
-              <a:t>14</a:t>
-            </a:fld>
-            <a:endParaRPr lang="en-US" dirty="0"/>
-          </a:p>
-        </p:txBody>
-      </p:sp>
-      <p:sp>
-        <p:nvSpPr>
-          <p:cNvPr id="6" name="Footer Placeholder 5"/>
-          <p:cNvSpPr>
-            <a:spLocks noGrp="1"/>
-          </p:cNvSpPr>
-          <p:nvPr>
-            <p:ph type="ftr" sz="quarter" idx="12"/>
-          </p:nvPr>
-        </p:nvSpPr>
-        <p:spPr/>
-        <p:txBody>
-          <a:bodyPr/>
-          <a:lstStyle/>
-          <a:p>
-            <a:r>
-              <a:rPr lang="en-US" smtClean="0"/>
-              <a:t>Footer Text</a:t>
-            </a:r>
-            <a:endParaRPr lang="en-US" dirty="0"/>
-          </a:p>
-        </p:txBody>
-      </p:sp>
-      <p:sp>
-        <p:nvSpPr>
-          <p:cNvPr id="7" name="Subtitle 2"/>
-          <p:cNvSpPr>
-            <a:spLocks noGrp="1"/>
-          </p:cNvSpPr>
-          <p:nvPr>
-            <p:ph type="subTitle" idx="1"/>
-          </p:nvPr>
-        </p:nvSpPr>
-        <p:spPr>
-          <a:xfrm>
-            <a:off x="304800" y="304800"/>
-            <a:ext cx="8458200" cy="3124200"/>
-          </a:xfrm>
-        </p:spPr>
-        <p:txBody>
-          <a:bodyPr>
-            <a:noAutofit/>
-          </a:bodyPr>
-          <a:lstStyle/>
-          <a:p>
-            <a:pPr marL="342900" indent="-342900" algn="l">
-              <a:buFont typeface="Arial" panose="020B0604020202020204" pitchFamily="34" charset="0"/>
-              <a:buChar char="•"/>
-            </a:pPr>
-            <a:r>
-              <a:rPr lang="en-US" dirty="0" smtClean="0"/>
-              <a:t>1</a:t>
-            </a:r>
-          </a:p>
-          <a:p>
-            <a:pPr marL="342900" indent="-342900" algn="l">
-              <a:buFont typeface="Arial" panose="020B0604020202020204" pitchFamily="34" charset="0"/>
-              <a:buChar char="•"/>
-            </a:pPr>
-            <a:r>
-              <a:rPr lang="en-US" dirty="0" smtClean="0"/>
-              <a:t>Create an empty remote repo on </a:t>
-            </a:r>
-            <a:r>
-              <a:rPr lang="en-US" dirty="0" err="1" smtClean="0"/>
-              <a:t>github</a:t>
-            </a:r>
-            <a:endParaRPr lang="en-US" dirty="0" smtClean="0"/>
-          </a:p>
-          <a:p>
-            <a:pPr marL="342900" indent="-342900" algn="l">
-              <a:buFont typeface="Arial" panose="020B0604020202020204" pitchFamily="34" charset="0"/>
-              <a:buChar char="•"/>
-            </a:pPr>
-            <a:r>
-              <a:rPr lang="en-US" dirty="0" smtClean="0"/>
-              <a:t>clone remote repo</a:t>
-            </a:r>
-          </a:p>
-          <a:p>
-            <a:pPr marL="342900" indent="-342900" algn="l">
-              <a:buFont typeface="Arial" panose="020B0604020202020204" pitchFamily="34" charset="0"/>
-              <a:buChar char="•"/>
-            </a:pPr>
-            <a:r>
-              <a:rPr lang="en-US" dirty="0" smtClean="0"/>
-              <a:t>edit </a:t>
-            </a:r>
-            <a:r>
-              <a:rPr lang="en-US" dirty="0"/>
-              <a:t>a </a:t>
-            </a:r>
-            <a:r>
-              <a:rPr lang="en-US" dirty="0" smtClean="0"/>
-              <a:t>readme.txt and check in (using </a:t>
-            </a:r>
-            <a:r>
-              <a:rPr lang="en-US" dirty="0" err="1" smtClean="0"/>
-              <a:t>gitext</a:t>
-            </a:r>
-            <a:r>
-              <a:rPr lang="en-US" dirty="0" smtClean="0"/>
-              <a:t>)</a:t>
-            </a:r>
-          </a:p>
-          <a:p>
-            <a:pPr marL="342900" indent="-342900" algn="l">
-              <a:buFont typeface="Arial" panose="020B0604020202020204" pitchFamily="34" charset="0"/>
-              <a:buChar char="•"/>
-            </a:pPr>
-            <a:r>
-              <a:rPr lang="en-US" dirty="0" smtClean="0"/>
-              <a:t>Edit readme.txt and </a:t>
-            </a:r>
-            <a:r>
-              <a:rPr lang="en-US" dirty="0" err="1" smtClean="0"/>
-              <a:t>checkin</a:t>
-            </a:r>
-            <a:r>
-              <a:rPr lang="en-US" dirty="0" smtClean="0"/>
-              <a:t> (using </a:t>
-            </a:r>
-            <a:r>
-              <a:rPr lang="en-US" dirty="0" err="1" smtClean="0"/>
-              <a:t>git</a:t>
-            </a:r>
-            <a:r>
-              <a:rPr lang="en-US" dirty="0" smtClean="0"/>
-              <a:t> bash)</a:t>
-            </a:r>
-          </a:p>
-          <a:p>
-            <a:pPr marL="342900" indent="-342900" algn="l">
-              <a:buFont typeface="Arial" panose="020B0604020202020204" pitchFamily="34" charset="0"/>
-              <a:buChar char="•"/>
-            </a:pPr>
-            <a:r>
-              <a:rPr lang="en-US" dirty="0" smtClean="0"/>
-              <a:t>Show commits</a:t>
-            </a:r>
-          </a:p>
-          <a:p>
-            <a:pPr marL="342900" indent="-342900" algn="l">
-              <a:buFont typeface="Arial" panose="020B0604020202020204" pitchFamily="34" charset="0"/>
-              <a:buChar char="•"/>
-            </a:pPr>
-            <a:r>
-              <a:rPr lang="en-US" dirty="0" smtClean="0"/>
-              <a:t>push </a:t>
-            </a:r>
-            <a:r>
-              <a:rPr lang="en-US" dirty="0"/>
-              <a:t>to </a:t>
-            </a:r>
-            <a:r>
-              <a:rPr lang="en-US" dirty="0" smtClean="0"/>
-              <a:t>remote</a:t>
-            </a:r>
-          </a:p>
-          <a:p>
-            <a:pPr marL="342900" indent="-342900" algn="l">
-              <a:buFont typeface="Arial" panose="020B0604020202020204" pitchFamily="34" charset="0"/>
-              <a:buChar char="•"/>
-            </a:pPr>
-            <a:r>
-              <a:rPr lang="en-US" dirty="0" smtClean="0"/>
-              <a:t>view</a:t>
-            </a:r>
-            <a:r>
-              <a:rPr lang="en-US" dirty="0" smtClean="0"/>
-              <a:t> on </a:t>
-            </a:r>
-            <a:r>
-              <a:rPr lang="en-US" dirty="0" err="1" smtClean="0"/>
-              <a:t>github</a:t>
-            </a:r>
-            <a:r>
-              <a:rPr lang="en-US" dirty="0" smtClean="0"/>
-              <a:t>.</a:t>
-            </a:r>
-          </a:p>
-          <a:p>
-            <a:pPr marL="342900" indent="-342900" algn="l">
-              <a:buFont typeface="Arial" panose="020B0604020202020204" pitchFamily="34" charset="0"/>
-              <a:buChar char="•"/>
-            </a:pPr>
-            <a:endParaRPr lang="en-US" dirty="0" smtClean="0"/>
-          </a:p>
-          <a:p>
-            <a:pPr marL="342900" indent="-342900" algn="l">
-              <a:buFont typeface="Arial" panose="020B0604020202020204" pitchFamily="34" charset="0"/>
-              <a:buChar char="•"/>
-            </a:pPr>
-            <a:endParaRPr lang="en-US" dirty="0" smtClean="0"/>
-          </a:p>
-          <a:p>
-            <a:pPr marL="342900" indent="-342900" algn="l">
-              <a:buFont typeface="Arial" panose="020B0604020202020204" pitchFamily="34" charset="0"/>
-              <a:buChar char="•"/>
-            </a:pPr>
-            <a:endParaRPr lang="en-US" sz="3200" dirty="0"/>
-          </a:p>
-        </p:txBody>
-      </p:sp>
-      <p:sp>
-        <p:nvSpPr>
-          <p:cNvPr id="9" name="Subtitle 2"/>
-          <p:cNvSpPr txBox="1">
-            <a:spLocks/>
-          </p:cNvSpPr>
-          <p:nvPr/>
-        </p:nvSpPr>
-        <p:spPr>
-          <a:xfrm>
-            <a:off x="304800" y="4191000"/>
-            <a:ext cx="8458200" cy="3124200"/>
-          </a:xfrm>
-          <a:prstGeom prst="rect">
-            <a:avLst/>
-          </a:prstGeom>
-        </p:spPr>
-        <p:txBody>
-          <a:bodyPr vert="horz" lIns="91440" tIns="45720" rIns="91440" bIns="45720" rtlCol="0">
-            <a:noAutofit/>
-          </a:bodyPr>
-          <a:lstStyle>
-            <a:lvl1pPr marL="0" indent="0" algn="ctr" defTabSz="914400" rtl="0" eaLnBrk="1" latinLnBrk="0" hangingPunct="1">
-              <a:spcBef>
-                <a:spcPct val="20000"/>
-              </a:spcBef>
-              <a:buFont typeface="Arial" pitchFamily="34" charset="0"/>
-              <a:buNone/>
-              <a:defRPr sz="2400" kern="1200">
-                <a:solidFill>
-                  <a:schemeClr val="tx1">
-                    <a:tint val="75000"/>
-                  </a:schemeClr>
-                </a:solidFill>
-                <a:latin typeface="+mj-lt"/>
-                <a:ea typeface="+mn-ea"/>
-                <a:cs typeface="+mn-cs"/>
-              </a:defRPr>
-            </a:lvl1pPr>
-            <a:lvl2pPr marL="457200" indent="0" algn="ctr" defTabSz="914400" rtl="0" eaLnBrk="1" latinLnBrk="0" hangingPunct="1">
-              <a:spcBef>
-                <a:spcPct val="20000"/>
-              </a:spcBef>
-              <a:buFont typeface="Courier New" pitchFamily="49" charset="0"/>
-              <a:buNone/>
-              <a:defRPr sz="1600" kern="1200">
-                <a:solidFill>
-                  <a:schemeClr val="tx1">
-                    <a:tint val="75000"/>
-                  </a:schemeClr>
-                </a:solidFill>
-                <a:latin typeface="+mj-lt"/>
-                <a:ea typeface="+mn-ea"/>
-                <a:cs typeface="+mn-cs"/>
-              </a:defRPr>
-            </a:lvl2pPr>
-            <a:lvl3pPr marL="914400" indent="0" algn="ctr" defTabSz="914400" rtl="0" eaLnBrk="1" latinLnBrk="0" hangingPunct="1">
-              <a:spcBef>
-                <a:spcPct val="20000"/>
-              </a:spcBef>
-              <a:buFont typeface="Arial" pitchFamily="34" charset="0"/>
-              <a:buNone/>
-              <a:defRPr sz="1600" kern="1200">
-                <a:solidFill>
-                  <a:schemeClr val="tx1">
-                    <a:tint val="75000"/>
-                  </a:schemeClr>
-                </a:solidFill>
-                <a:latin typeface="+mj-lt"/>
-                <a:ea typeface="+mn-ea"/>
-                <a:cs typeface="+mn-cs"/>
-              </a:defRPr>
-            </a:lvl3pPr>
-            <a:lvl4pPr marL="1371600" indent="0" algn="ctr" defTabSz="914400" rtl="0" eaLnBrk="1" latinLnBrk="0" hangingPunct="1">
-              <a:spcBef>
-                <a:spcPct val="20000"/>
-              </a:spcBef>
-              <a:buFont typeface="Courier New" pitchFamily="49" charset="0"/>
-              <a:buNone/>
-              <a:defRPr sz="1600" kern="1200">
-                <a:solidFill>
-                  <a:schemeClr val="tx1">
-                    <a:tint val="75000"/>
-                  </a:schemeClr>
-                </a:solidFill>
-                <a:latin typeface="+mj-lt"/>
-                <a:ea typeface="+mn-ea"/>
-                <a:cs typeface="+mn-cs"/>
-              </a:defRPr>
-            </a:lvl4pPr>
-            <a:lvl5pPr marL="1828800" indent="0" algn="ctr" defTabSz="914400" rtl="0" eaLnBrk="1" latinLnBrk="0" hangingPunct="1">
-              <a:spcBef>
-                <a:spcPct val="20000"/>
-              </a:spcBef>
-              <a:buFont typeface="Arial" pitchFamily="34" charset="0"/>
-              <a:buNone/>
-              <a:defRPr sz="1600" kern="1200">
-                <a:solidFill>
-                  <a:schemeClr val="tx1">
-                    <a:tint val="75000"/>
-                  </a:schemeClr>
-                </a:solidFill>
-                <a:latin typeface="+mj-lt"/>
-                <a:ea typeface="+mn-ea"/>
-                <a:cs typeface="+mn-cs"/>
-              </a:defRPr>
-            </a:lvl5pPr>
-            <a:lvl6pPr marL="2286000" indent="0" algn="ctr" defTabSz="914400" rtl="0" eaLnBrk="1" latinLnBrk="0" hangingPunct="1">
-              <a:spcBef>
-                <a:spcPct val="20000"/>
-              </a:spcBef>
-              <a:buFont typeface="Courier New" pitchFamily="49" charset="0"/>
-              <a:buNone/>
-              <a:defRPr sz="1600" kern="1200">
-                <a:solidFill>
-                  <a:schemeClr val="tx1">
-                    <a:tint val="75000"/>
-                  </a:schemeClr>
-                </a:solidFill>
-                <a:latin typeface="+mj-lt"/>
-                <a:ea typeface="+mn-ea"/>
-                <a:cs typeface="+mn-cs"/>
-              </a:defRPr>
-            </a:lvl6pPr>
-            <a:lvl7pPr marL="2743200" indent="0" algn="ctr" defTabSz="914400" rtl="0" eaLnBrk="1" latinLnBrk="0" hangingPunct="1">
-              <a:spcBef>
-                <a:spcPct val="20000"/>
-              </a:spcBef>
-              <a:buFont typeface="Arial" pitchFamily="34" charset="0"/>
-              <a:buNone/>
-              <a:defRPr sz="1600" kern="1200">
-                <a:solidFill>
-                  <a:schemeClr val="tx1">
-                    <a:tint val="75000"/>
-                  </a:schemeClr>
-                </a:solidFill>
-                <a:latin typeface="+mj-lt"/>
-                <a:ea typeface="+mn-ea"/>
-                <a:cs typeface="+mn-cs"/>
-              </a:defRPr>
-            </a:lvl7pPr>
-            <a:lvl8pPr marL="3200400" indent="0" algn="ctr" defTabSz="914400" rtl="0" eaLnBrk="1" latinLnBrk="0" hangingPunct="1">
-              <a:spcBef>
-                <a:spcPct val="20000"/>
-              </a:spcBef>
-              <a:buFont typeface="Courier New" pitchFamily="49" charset="0"/>
-              <a:buNone/>
-              <a:defRPr sz="1600" kern="1200">
-                <a:solidFill>
-                  <a:schemeClr val="tx1">
-                    <a:tint val="75000"/>
-                  </a:schemeClr>
-                </a:solidFill>
-                <a:latin typeface="+mj-lt"/>
-                <a:ea typeface="+mn-ea"/>
-                <a:cs typeface="+mn-cs"/>
-              </a:defRPr>
-            </a:lvl8pPr>
-            <a:lvl9pPr marL="3657600" indent="0" algn="ctr" defTabSz="914400" rtl="0" eaLnBrk="1" latinLnBrk="0" hangingPunct="1">
-              <a:spcBef>
-                <a:spcPct val="20000"/>
-              </a:spcBef>
-              <a:buFont typeface="Arial" pitchFamily="34" charset="0"/>
-              <a:buNone/>
-              <a:defRPr sz="1600" kern="1200">
-                <a:solidFill>
-                  <a:schemeClr val="tx1">
-                    <a:tint val="75000"/>
-                  </a:schemeClr>
-                </a:solidFill>
-                <a:latin typeface="+mj-lt"/>
-                <a:ea typeface="+mn-ea"/>
-                <a:cs typeface="+mn-cs"/>
-              </a:defRPr>
-            </a:lvl9pPr>
-          </a:lstStyle>
-          <a:p>
-            <a:pPr marL="342900" indent="-342900" algn="l">
-              <a:buFont typeface="Arial" pitchFamily="34" charset="0"/>
-              <a:buChar char="•"/>
-            </a:pPr>
-            <a:r>
-              <a:rPr lang="en-US" dirty="0" smtClean="0"/>
-              <a:t>2</a:t>
-            </a:r>
-          </a:p>
-          <a:p>
-            <a:pPr marL="342900" indent="-342900" algn="l">
-              <a:buFont typeface="Arial" pitchFamily="34" charset="0"/>
-              <a:buChar char="•"/>
-            </a:pPr>
-            <a:r>
-              <a:rPr lang="en-US" dirty="0" smtClean="0"/>
-              <a:t>Show edit readme.txt to create few commits.  Show collapse of commits.</a:t>
-            </a:r>
-          </a:p>
-          <a:p>
-            <a:pPr marL="342900" indent="-342900" algn="l">
-              <a:buFont typeface="Arial" pitchFamily="34" charset="0"/>
-              <a:buChar char="•"/>
-            </a:pPr>
-            <a:r>
-              <a:rPr lang="en-US" dirty="0" smtClean="0"/>
-              <a:t>Show checkout of old commit 2 commits ago, then force commit to undo the 2 newer commits</a:t>
-            </a:r>
-          </a:p>
-          <a:p>
-            <a:pPr marL="342900" indent="-342900" algn="l">
-              <a:buFont typeface="Arial" pitchFamily="34" charset="0"/>
-              <a:buChar char="•"/>
-            </a:pPr>
-            <a:r>
-              <a:rPr lang="en-US" dirty="0" smtClean="0"/>
-              <a:t>Make bad commits, then can revert back to master using reset.</a:t>
-            </a:r>
-          </a:p>
-          <a:p>
-            <a:pPr marL="342900" indent="-342900" algn="l">
-              <a:buFont typeface="Arial" pitchFamily="34" charset="0"/>
-              <a:buChar char="•"/>
-            </a:pPr>
-            <a:endParaRPr lang="en-US" dirty="0" smtClean="0"/>
-          </a:p>
-          <a:p>
-            <a:pPr marL="342900" indent="-342900" algn="l">
-              <a:buFont typeface="Arial" pitchFamily="34" charset="0"/>
-              <a:buChar char="•"/>
-            </a:pPr>
-            <a:endParaRPr lang="en-US" sz="3200" dirty="0"/>
-          </a:p>
-        </p:txBody>
-      </p:sp>
-    </p:spTree>
-    <p:extLst>
-      <p:ext uri="{BB962C8B-B14F-4D97-AF65-F5344CB8AC3E}">
-        <p14:creationId xmlns:p14="http://schemas.microsoft.com/office/powerpoint/2010/main" val="2665197764"/>
-      </p:ext>
-    </p:extLst>
-  </p:cSld>
-  <p:clrMapOvr>
-    <a:masterClrMapping/>
-  </p:clrMapOvr>
-</p:sld>
-</file>
-
-<file path=ppt/slides/slide15.xml><?xml version="1.0" encoding="utf-8"?>
-<p:sld xmlns:a="http://schemas.openxmlformats.org/drawingml/2006/main" xmlns:r="http://schemas.openxmlformats.org/officeDocument/2006/relationships" xmlns:p="http://schemas.openxmlformats.org/presentationml/2006/main">
-  <p:cSld>
-    <p:spTree>
-      <p:nvGrpSpPr>
-        <p:cNvPr id="1" name=""/>
-        <p:cNvGrpSpPr/>
-        <p:nvPr/>
-      </p:nvGrpSpPr>
-      <p:grpSpPr>
-        <a:xfrm>
-          <a:off x="0" y="0"/>
-          <a:ext cx="0" cy="0"/>
-          <a:chOff x="0" y="0"/>
-          <a:chExt cx="0" cy="0"/>
-        </a:xfrm>
-      </p:grpSpPr>
-      <p:sp>
-        <p:nvSpPr>
-          <p:cNvPr id="4" name="Date Placeholder 3"/>
-          <p:cNvSpPr>
-            <a:spLocks noGrp="1"/>
-          </p:cNvSpPr>
-          <p:nvPr>
-            <p:ph type="dt" sz="half" idx="10"/>
-          </p:nvPr>
-        </p:nvSpPr>
-        <p:spPr/>
-        <p:txBody>
-          <a:bodyPr/>
-          <a:lstStyle/>
-          <a:p>
-            <a:fld id="{216C5678-EE20-4FA5-88E2-6E0BD67A2E26}" type="datetime1">
-              <a:rPr lang="en-US" smtClean="0"/>
-              <a:t>9/17/2017</a:t>
-            </a:fld>
-            <a:endParaRPr lang="en-US" dirty="0"/>
-          </a:p>
-        </p:txBody>
-      </p:sp>
-      <p:sp>
-        <p:nvSpPr>
-          <p:cNvPr id="5" name="Slide Number Placeholder 4"/>
-          <p:cNvSpPr>
-            <a:spLocks noGrp="1"/>
-          </p:cNvSpPr>
-          <p:nvPr>
-            <p:ph type="sldNum" sz="quarter" idx="11"/>
-          </p:nvPr>
-        </p:nvSpPr>
-        <p:spPr/>
-        <p:txBody>
-          <a:bodyPr/>
-          <a:lstStyle/>
-          <a:p>
-            <a:fld id="{BA9B540C-44DA-4F69-89C9-7C84606640D3}" type="slidenum">
-              <a:rPr lang="en-US" smtClean="0"/>
-              <a:pPr/>
-              <a:t>15</a:t>
-            </a:fld>
-            <a:endParaRPr lang="en-US" dirty="0"/>
-          </a:p>
-        </p:txBody>
-      </p:sp>
-      <p:sp>
-        <p:nvSpPr>
-          <p:cNvPr id="6" name="Footer Placeholder 5"/>
-          <p:cNvSpPr>
-            <a:spLocks noGrp="1"/>
-          </p:cNvSpPr>
-          <p:nvPr>
-            <p:ph type="ftr" sz="quarter" idx="12"/>
-          </p:nvPr>
-        </p:nvSpPr>
-        <p:spPr/>
-        <p:txBody>
-          <a:bodyPr/>
-          <a:lstStyle/>
-          <a:p>
-            <a:r>
-              <a:rPr lang="en-US" smtClean="0"/>
-              <a:t>Footer Text</a:t>
-            </a:r>
-            <a:endParaRPr lang="en-US" dirty="0"/>
-          </a:p>
-        </p:txBody>
-      </p:sp>
-      <p:sp>
-        <p:nvSpPr>
-          <p:cNvPr id="7" name="Subtitle 2"/>
-          <p:cNvSpPr>
-            <a:spLocks noGrp="1"/>
-          </p:cNvSpPr>
-          <p:nvPr>
-            <p:ph type="subTitle" idx="1"/>
-          </p:nvPr>
-        </p:nvSpPr>
-        <p:spPr>
-          <a:xfrm>
-            <a:off x="304800" y="304800"/>
-            <a:ext cx="8382000" cy="5105400"/>
-          </a:xfrm>
-        </p:spPr>
-        <p:txBody>
-          <a:bodyPr>
-            <a:noAutofit/>
-          </a:bodyPr>
-          <a:lstStyle/>
-          <a:p>
-            <a:pPr marL="342900" indent="-342900" algn="l">
-              <a:buFont typeface="Arial" panose="020B0604020202020204" pitchFamily="34" charset="0"/>
-              <a:buChar char="•"/>
-            </a:pPr>
-            <a:r>
-              <a:rPr lang="en-US" dirty="0" smtClean="0"/>
-              <a:t>3</a:t>
-            </a:r>
-          </a:p>
-          <a:p>
-            <a:pPr marL="342900" indent="-342900" algn="l">
-              <a:buFont typeface="Arial" panose="020B0604020202020204" pitchFamily="34" charset="0"/>
-              <a:buChar char="•"/>
-            </a:pPr>
-            <a:r>
-              <a:rPr lang="en-US" dirty="0" smtClean="0"/>
-              <a:t>Create branch</a:t>
-            </a:r>
-          </a:p>
-          <a:p>
-            <a:pPr marL="342900" indent="-342900" algn="l">
-              <a:buFont typeface="Arial" panose="020B0604020202020204" pitchFamily="34" charset="0"/>
-              <a:buChar char="•"/>
-            </a:pPr>
-            <a:r>
-              <a:rPr lang="en-US" dirty="0" smtClean="0"/>
-              <a:t>Add a test.java with couple of commits and push to remote.</a:t>
-            </a:r>
-          </a:p>
-          <a:p>
-            <a:pPr marL="342900" indent="-342900" algn="l">
-              <a:buFont typeface="Arial" panose="020B0604020202020204" pitchFamily="34" charset="0"/>
-              <a:buChar char="•"/>
-            </a:pPr>
-            <a:r>
-              <a:rPr lang="en-US" dirty="0" smtClean="0"/>
-              <a:t>Clone the same repo and update readme.txt and push to master.</a:t>
-            </a:r>
-          </a:p>
-          <a:p>
-            <a:pPr marL="342900" indent="-342900" algn="l">
-              <a:buFont typeface="Arial" panose="020B0604020202020204" pitchFamily="34" charset="0"/>
-              <a:buChar char="•"/>
-            </a:pPr>
-            <a:r>
-              <a:rPr lang="en-US" dirty="0" smtClean="0"/>
-              <a:t>On 1</a:t>
-            </a:r>
-            <a:r>
-              <a:rPr lang="en-US" baseline="30000" dirty="0" smtClean="0"/>
-              <a:t>st</a:t>
-            </a:r>
-            <a:r>
-              <a:rPr lang="en-US" dirty="0" smtClean="0"/>
-              <a:t> repo, do a pull and merge master to branch.  Sho</a:t>
-            </a:r>
-            <a:r>
-              <a:rPr lang="en-US" dirty="0" smtClean="0"/>
-              <a:t>w the loop.</a:t>
-            </a:r>
-          </a:p>
-          <a:p>
-            <a:pPr marL="342900" indent="-342900" algn="l">
-              <a:buFont typeface="Arial" panose="020B0604020202020204" pitchFamily="34" charset="0"/>
-              <a:buChar char="•"/>
-            </a:pPr>
-            <a:r>
-              <a:rPr lang="en-US" dirty="0" smtClean="0"/>
-              <a:t>Undo the merge and show a rebase master to branch and show the “straight line”.  Undo the rebase.</a:t>
-            </a:r>
-          </a:p>
-          <a:p>
-            <a:pPr marL="342900" indent="-342900" algn="l">
-              <a:buFont typeface="Arial" panose="020B0604020202020204" pitchFamily="34" charset="0"/>
-              <a:buChar char="•"/>
-            </a:pPr>
-            <a:r>
-              <a:rPr lang="en-US" dirty="0" smtClean="0"/>
-              <a:t>Check out master and merge branch to master.</a:t>
-            </a:r>
-            <a:endParaRPr lang="en-US" dirty="0" smtClean="0"/>
-          </a:p>
-          <a:p>
-            <a:pPr marL="342900" indent="-342900" algn="l">
-              <a:buFont typeface="Arial" panose="020B0604020202020204" pitchFamily="34" charset="0"/>
-              <a:buChar char="•"/>
-            </a:pPr>
-            <a:endParaRPr lang="en-US" dirty="0" smtClean="0"/>
-          </a:p>
-          <a:p>
-            <a:pPr marL="342900" indent="-342900" algn="l">
-              <a:buFont typeface="Arial" panose="020B0604020202020204" pitchFamily="34" charset="0"/>
-              <a:buChar char="•"/>
-            </a:pPr>
-            <a:endParaRPr lang="en-US" sz="3200" dirty="0"/>
-          </a:p>
-        </p:txBody>
-      </p:sp>
-    </p:spTree>
-    <p:extLst>
-      <p:ext uri="{BB962C8B-B14F-4D97-AF65-F5344CB8AC3E}">
-        <p14:creationId xmlns:p14="http://schemas.microsoft.com/office/powerpoint/2010/main" val="1004612304"/>
-      </p:ext>
-    </p:extLst>
-  </p:cSld>
-  <p:clrMapOvr>
-    <a:masterClrMapping/>
-  </p:clrMapOvr>
-</p:sld>
-</file>
-
-<file path=ppt/slides/slide16.xml><?xml version="1.0" encoding="utf-8"?>
-<p:sld xmlns:a="http://schemas.openxmlformats.org/drawingml/2006/main" xmlns:r="http://schemas.openxmlformats.org/officeDocument/2006/relationships" xmlns:p="http://schemas.openxmlformats.org/presentationml/2006/main">
-  <p:cSld>
-    <p:spTree>
-      <p:nvGrpSpPr>
-        <p:cNvPr id="1" name=""/>
-        <p:cNvGrpSpPr/>
-        <p:nvPr/>
-      </p:nvGrpSpPr>
-      <p:grpSpPr>
-        <a:xfrm>
-          <a:off x="0" y="0"/>
-          <a:ext cx="0" cy="0"/>
-          <a:chOff x="0" y="0"/>
-          <a:chExt cx="0" cy="0"/>
-        </a:xfrm>
-      </p:grpSpPr>
-      <p:sp>
-        <p:nvSpPr>
-          <p:cNvPr id="4" name="Date Placeholder 3"/>
-          <p:cNvSpPr>
-            <a:spLocks noGrp="1"/>
-          </p:cNvSpPr>
-          <p:nvPr>
-            <p:ph type="dt" sz="half" idx="10"/>
-          </p:nvPr>
-        </p:nvSpPr>
-        <p:spPr/>
-        <p:txBody>
-          <a:bodyPr/>
-          <a:lstStyle/>
-          <a:p>
-            <a:fld id="{216C5678-EE20-4FA5-88E2-6E0BD67A2E26}" type="datetime1">
-              <a:rPr lang="en-US" smtClean="0"/>
-              <a:t>9/17/2017</a:t>
-            </a:fld>
-            <a:endParaRPr lang="en-US" dirty="0"/>
-          </a:p>
-        </p:txBody>
-      </p:sp>
-      <p:sp>
-        <p:nvSpPr>
-          <p:cNvPr id="5" name="Slide Number Placeholder 4"/>
-          <p:cNvSpPr>
-            <a:spLocks noGrp="1"/>
-          </p:cNvSpPr>
-          <p:nvPr>
-            <p:ph type="sldNum" sz="quarter" idx="11"/>
-          </p:nvPr>
-        </p:nvSpPr>
-        <p:spPr/>
-        <p:txBody>
-          <a:bodyPr/>
-          <a:lstStyle/>
-          <a:p>
-            <a:fld id="{BA9B540C-44DA-4F69-89C9-7C84606640D3}" type="slidenum">
-              <a:rPr lang="en-US" smtClean="0"/>
-              <a:pPr/>
-              <a:t>16</a:t>
-            </a:fld>
-            <a:endParaRPr lang="en-US" dirty="0"/>
-          </a:p>
-        </p:txBody>
-      </p:sp>
-      <p:sp>
-        <p:nvSpPr>
-          <p:cNvPr id="6" name="Footer Placeholder 5"/>
-          <p:cNvSpPr>
-            <a:spLocks noGrp="1"/>
-          </p:cNvSpPr>
-          <p:nvPr>
-            <p:ph type="ftr" sz="quarter" idx="12"/>
-          </p:nvPr>
-        </p:nvSpPr>
-        <p:spPr/>
-        <p:txBody>
-          <a:bodyPr/>
-          <a:lstStyle/>
-          <a:p>
-            <a:r>
-              <a:rPr lang="en-US" smtClean="0"/>
-              <a:t>Footer Text</a:t>
-            </a:r>
-            <a:endParaRPr lang="en-US" dirty="0"/>
-          </a:p>
-        </p:txBody>
-      </p:sp>
-      <p:sp>
-        <p:nvSpPr>
-          <p:cNvPr id="7" name="Subtitle 2"/>
-          <p:cNvSpPr>
-            <a:spLocks noGrp="1"/>
-          </p:cNvSpPr>
-          <p:nvPr>
-            <p:ph type="subTitle" idx="1"/>
-          </p:nvPr>
-        </p:nvSpPr>
-        <p:spPr>
-          <a:xfrm>
-            <a:off x="304800" y="304800"/>
-            <a:ext cx="8382000" cy="5105400"/>
-          </a:xfrm>
-        </p:spPr>
-        <p:txBody>
-          <a:bodyPr>
-            <a:noAutofit/>
-          </a:bodyPr>
-          <a:lstStyle/>
-          <a:p>
-            <a:pPr marL="342900" indent="-342900" algn="l">
-              <a:buFont typeface="Arial" panose="020B0604020202020204" pitchFamily="34" charset="0"/>
-              <a:buChar char="•"/>
-            </a:pPr>
-            <a:r>
-              <a:rPr lang="en-US" dirty="0"/>
-              <a:t>4</a:t>
-            </a:r>
-            <a:endParaRPr lang="en-US" dirty="0" smtClean="0"/>
-          </a:p>
-          <a:p>
-            <a:pPr marL="342900" indent="-342900" algn="l">
-              <a:buFont typeface="Arial" panose="020B0604020202020204" pitchFamily="34" charset="0"/>
-              <a:buChar char="•"/>
-            </a:pPr>
-            <a:r>
-              <a:rPr lang="en-US" dirty="0" smtClean="0"/>
-              <a:t>Create commit on master and do a stash</a:t>
-            </a:r>
-          </a:p>
-          <a:p>
-            <a:pPr marL="342900" indent="-342900" algn="l">
-              <a:buFont typeface="Arial" panose="020B0604020202020204" pitchFamily="34" charset="0"/>
-              <a:buChar char="•"/>
-            </a:pPr>
-            <a:r>
-              <a:rPr lang="en-US" dirty="0" smtClean="0"/>
-              <a:t>Do some update on master and commit and push</a:t>
-            </a:r>
-          </a:p>
-          <a:p>
-            <a:pPr marL="342900" indent="-342900" algn="l">
-              <a:buFont typeface="Arial" panose="020B0604020202020204" pitchFamily="34" charset="0"/>
-              <a:buChar char="•"/>
-            </a:pPr>
-            <a:r>
-              <a:rPr lang="en-US" dirty="0" smtClean="0"/>
-              <a:t>Pop the stash.</a:t>
-            </a:r>
-          </a:p>
-          <a:p>
-            <a:pPr marL="342900" indent="-342900" algn="l">
-              <a:buFont typeface="Arial" panose="020B0604020202020204" pitchFamily="34" charset="0"/>
-              <a:buChar char="•"/>
-            </a:pPr>
-            <a:endParaRPr lang="en-US" dirty="0" smtClean="0"/>
-          </a:p>
-          <a:p>
-            <a:pPr marL="342900" indent="-342900" algn="l">
-              <a:buFont typeface="Arial" panose="020B0604020202020204" pitchFamily="34" charset="0"/>
-              <a:buChar char="•"/>
-            </a:pPr>
-            <a:endParaRPr lang="en-US" sz="3200" dirty="0"/>
-          </a:p>
-        </p:txBody>
-      </p:sp>
-    </p:spTree>
-    <p:extLst>
-      <p:ext uri="{BB962C8B-B14F-4D97-AF65-F5344CB8AC3E}">
-        <p14:creationId xmlns:p14="http://schemas.microsoft.com/office/powerpoint/2010/main" val="469866879"/>
-      </p:ext>
-    </p:extLst>
-  </p:cSld>
-  <p:clrMapOvr>
-    <a:masterClrMapping/>
-  </p:clrMapOvr>
-</p:sld>
-</file>
-
-<file path=ppt/slides/slide17.xml><?xml version="1.0" encoding="utf-8"?>
-<p:sld xmlns:a="http://schemas.openxmlformats.org/drawingml/2006/main" xmlns:r="http://schemas.openxmlformats.org/officeDocument/2006/relationships" xmlns:p="http://schemas.openxmlformats.org/presentationml/2006/main">
-  <p:cSld>
-    <p:spTree>
-      <p:nvGrpSpPr>
-        <p:cNvPr id="1" name=""/>
-        <p:cNvGrpSpPr/>
-        <p:nvPr/>
-      </p:nvGrpSpPr>
-      <p:grpSpPr>
-        <a:xfrm>
-          <a:off x="0" y="0"/>
-          <a:ext cx="0" cy="0"/>
-          <a:chOff x="0" y="0"/>
-          <a:chExt cx="0" cy="0"/>
-        </a:xfrm>
-      </p:grpSpPr>
-      <p:sp>
-        <p:nvSpPr>
           <p:cNvPr id="2" name="Title 1"/>
           <p:cNvSpPr>
             <a:spLocks noGrp="1"/>
@@ -6212,7 +4981,7 @@
           <a:p>
             <a:fld id="{216C5678-EE20-4FA5-88E2-6E0BD67A2E26}" type="datetime1">
               <a:rPr lang="en-US" smtClean="0"/>
-              <a:t>9/17/2017</a:t>
+              <a:t>10/1/2017</a:t>
             </a:fld>
             <a:endParaRPr lang="en-US" dirty="0"/>
           </a:p>
@@ -6236,7 +5005,7 @@
             <a:fld id="{BA9B540C-44DA-4F69-89C9-7C84606640D3}" type="slidenum">
               <a:rPr lang="en-US" smtClean="0"/>
               <a:pPr/>
-              <a:t>17</a:t>
+              <a:t>13</a:t>
             </a:fld>
             <a:endParaRPr lang="en-US" dirty="0"/>
           </a:p>
@@ -6458,7 +5227,7 @@
           <a:p>
             <a:fld id="{216C5678-EE20-4FA5-88E2-6E0BD67A2E26}" type="datetime1">
               <a:rPr lang="en-US" smtClean="0"/>
-              <a:t>9/17/2017</a:t>
+              <a:t>10/1/2017</a:t>
             </a:fld>
             <a:endParaRPr lang="en-US" dirty="0"/>
           </a:p>
@@ -6687,7 +5456,7 @@
           <a:p>
             <a:fld id="{216C5678-EE20-4FA5-88E2-6E0BD67A2E26}" type="datetime1">
               <a:rPr lang="en-US" smtClean="0"/>
-              <a:t>9/17/2017</a:t>
+              <a:t>10/1/2017</a:t>
             </a:fld>
             <a:endParaRPr lang="en-US" dirty="0"/>
           </a:p>
@@ -6967,7 +5736,7 @@
           <a:p>
             <a:fld id="{216C5678-EE20-4FA5-88E2-6E0BD67A2E26}" type="datetime1">
               <a:rPr lang="en-US" smtClean="0"/>
-              <a:t>9/17/2017</a:t>
+              <a:t>10/1/2017</a:t>
             </a:fld>
             <a:endParaRPr lang="en-US" dirty="0"/>
           </a:p>
@@ -7202,7 +5971,7 @@
           <a:p>
             <a:fld id="{216C5678-EE20-4FA5-88E2-6E0BD67A2E26}" type="datetime1">
               <a:rPr lang="en-US" smtClean="0"/>
-              <a:t>9/17/2017</a:t>
+              <a:t>10/1/2017</a:t>
             </a:fld>
             <a:endParaRPr lang="en-US" dirty="0"/>
           </a:p>
@@ -7302,7 +6071,7 @@
           <a:p>
             <a:fld id="{216C5678-EE20-4FA5-88E2-6E0BD67A2E26}" type="datetime1">
               <a:rPr lang="en-US" smtClean="0"/>
-              <a:t>9/17/2017</a:t>
+              <a:t>10/1/2017</a:t>
             </a:fld>
             <a:endParaRPr lang="en-US" dirty="0"/>
           </a:p>
@@ -7996,7 +6765,7 @@
           <a:p>
             <a:fld id="{216C5678-EE20-4FA5-88E2-6E0BD67A2E26}" type="datetime1">
               <a:rPr lang="en-US" smtClean="0"/>
-              <a:t>9/17/2017</a:t>
+              <a:t>10/1/2017</a:t>
             </a:fld>
             <a:endParaRPr lang="en-US" dirty="0"/>
           </a:p>
@@ -9474,7 +8243,7 @@
           <a:p>
             <a:fld id="{216C5678-EE20-4FA5-88E2-6E0BD67A2E26}" type="datetime1">
               <a:rPr lang="en-US" smtClean="0"/>
-              <a:t>9/17/2017</a:t>
+              <a:t>10/1/2017</a:t>
             </a:fld>
             <a:endParaRPr lang="en-US" dirty="0"/>
           </a:p>
@@ -9536,14 +8305,14 @@
           <p:nvPr>
             <p:extLst>
               <p:ext uri="{D42A27DB-BD31-4B8C-83A1-F6EECF244321}">
-                <p14:modId xmlns:p14="http://schemas.microsoft.com/office/powerpoint/2010/main" val="1830581883"/>
+                <p14:modId xmlns:p14="http://schemas.microsoft.com/office/powerpoint/2010/main" val="2519306983"/>
               </p:ext>
             </p:extLst>
           </p:nvPr>
         </p:nvGraphicFramePr>
         <p:xfrm>
           <a:off x="838200" y="1295400"/>
-          <a:ext cx="7620000" cy="4164875"/>
+          <a:ext cx="7620000" cy="4741818"/>
         </p:xfrm>
         <a:graphic>
           <a:graphicData uri="http://schemas.openxmlformats.org/drawingml/2006/table">
@@ -9826,6 +8595,41 @@
                   </a:ext>
                 </a:extLst>
               </a:tr>
+              <a:tr h="576943">
+                <a:tc>
+                  <a:txBody>
+                    <a:bodyPr/>
+                    <a:lstStyle/>
+                    <a:p>
+                      <a:r>
+                        <a:rPr lang="en-US" dirty="0" smtClean="0"/>
+                        <a:t>cherry pick</a:t>
+                      </a:r>
+                      <a:endParaRPr lang="en-US" dirty="0"/>
+                    </a:p>
+                  </a:txBody>
+                  <a:tcPr/>
+                </a:tc>
+                <a:tc>
+                  <a:txBody>
+                    <a:bodyPr/>
+                    <a:lstStyle/>
+                    <a:p>
+                      <a:r>
+                        <a:rPr lang="en-US" dirty="0" smtClean="0"/>
+                        <a:t>NA</a:t>
+                      </a:r>
+                      <a:endParaRPr lang="en-US" dirty="0"/>
+                    </a:p>
+                  </a:txBody>
+                  <a:tcPr/>
+                </a:tc>
+                <a:extLst>
+                  <a:ext uri="{0D108BD9-81ED-4DB2-BD59-A6C34878D82A}">
+                    <a16:rowId xmlns:a16="http://schemas.microsoft.com/office/drawing/2014/main" val="4142007487"/>
+                  </a:ext>
+                </a:extLst>
+              </a:tr>
             </a:tbl>
           </a:graphicData>
         </a:graphic>
@@ -9914,7 +8718,7 @@
           <a:p>
             <a:fld id="{216C5678-EE20-4FA5-88E2-6E0BD67A2E26}" type="datetime1">
               <a:rPr lang="en-US" smtClean="0"/>
-              <a:t>9/17/2017</a:t>
+              <a:t>10/1/2017</a:t>
             </a:fld>
             <a:endParaRPr lang="en-US" dirty="0"/>
           </a:p>

--- a/git/git.pptx
+++ b/git/git.pptx
@@ -220,7 +220,7 @@
           <a:p>
             <a:fld id="{436134EC-835B-48D8-BDB5-96D4A8A8ACE7}" type="datetimeFigureOut">
               <a:rPr lang="en-US" smtClean="0"/>
-              <a:t>10/1/2017</a:t>
+              <a:t>10/9/2017</a:t>
             </a:fld>
             <a:endParaRPr lang="en-US"/>
           </a:p>
@@ -680,7 +680,7 @@
           <a:p>
             <a:fld id="{216C5678-EE20-4FA5-88E2-6E0BD67A2E26}" type="datetime1">
               <a:rPr lang="en-US" smtClean="0"/>
-              <a:t>10/1/2017</a:t>
+              <a:t>10/9/2017</a:t>
             </a:fld>
             <a:endParaRPr lang="en-US" dirty="0"/>
           </a:p>
@@ -850,7 +850,7 @@
           <a:p>
             <a:fld id="{EA051B39-B140-43FE-96DB-472A2B59CE7C}" type="datetime1">
               <a:rPr lang="en-US" smtClean="0"/>
-              <a:t>10/1/2017</a:t>
+              <a:t>10/9/2017</a:t>
             </a:fld>
             <a:endParaRPr lang="en-US"/>
           </a:p>
@@ -1030,7 +1030,7 @@
           <a:p>
             <a:fld id="{DA600BB2-27C5-458B-ABCE-839C88CF47CE}" type="datetime1">
               <a:rPr lang="en-US" smtClean="0"/>
-              <a:t>10/1/2017</a:t>
+              <a:t>10/9/2017</a:t>
             </a:fld>
             <a:endParaRPr lang="en-US"/>
           </a:p>
@@ -1218,7 +1218,7 @@
           <a:p>
             <a:fld id="{B11D738E-8962-435F-8C43-147B8DD7E819}" type="datetime1">
               <a:rPr lang="en-US" smtClean="0"/>
-              <a:t>10/1/2017</a:t>
+              <a:t>10/9/2017</a:t>
             </a:fld>
             <a:endParaRPr lang="en-US"/>
           </a:p>
@@ -1485,7 +1485,7 @@
           <a:p>
             <a:fld id="{09CAEA93-55E7-4DA9-90C2-089A26EEFEC4}" type="datetime1">
               <a:rPr lang="en-US" smtClean="0"/>
-              <a:t>10/1/2017</a:t>
+              <a:t>10/9/2017</a:t>
             </a:fld>
             <a:endParaRPr lang="en-US"/>
           </a:p>
@@ -1838,7 +1838,7 @@
           <a:p>
             <a:fld id="{E34CF3C7-6809-4F39-BD67-A75817BDDE0A}" type="datetime1">
               <a:rPr lang="en-US" smtClean="0"/>
-              <a:t>10/1/2017</a:t>
+              <a:t>10/9/2017</a:t>
             </a:fld>
             <a:endParaRPr lang="en-US"/>
           </a:p>
@@ -2151,7 +2151,7 @@
           <a:p>
             <a:fld id="{F7EAEB24-CE78-465C-A726-91D0868FA48F}" type="datetime1">
               <a:rPr lang="en-US" smtClean="0"/>
-              <a:t>10/1/2017</a:t>
+              <a:t>10/9/2017</a:t>
             </a:fld>
             <a:endParaRPr lang="en-US"/>
           </a:p>
@@ -2383,7 +2383,7 @@
           <a:p>
             <a:fld id="{40BAADF0-1749-4E8B-9691-B44A5F8C0895}" type="datetime1">
               <a:rPr lang="en-US" smtClean="0"/>
-              <a:t>10/1/2017</a:t>
+              <a:t>10/9/2017</a:t>
             </a:fld>
             <a:endParaRPr lang="en-US"/>
           </a:p>
@@ -2478,7 +2478,7 @@
           <a:p>
             <a:fld id="{A8AF628A-A867-4937-BBE5-207DB6F9C51A}" type="datetime1">
               <a:rPr lang="en-US" smtClean="0"/>
-              <a:t>10/1/2017</a:t>
+              <a:t>10/9/2017</a:t>
             </a:fld>
             <a:endParaRPr lang="en-US"/>
           </a:p>
@@ -2771,7 +2771,7 @@
           <a:p>
             <a:fld id="{118BBB94-68E6-4675-A946-F1C5994EDBD7}" type="datetime1">
               <a:rPr lang="en-US" smtClean="0"/>
-              <a:t>10/1/2017</a:t>
+              <a:t>10/9/2017</a:t>
             </a:fld>
             <a:endParaRPr lang="en-US"/>
           </a:p>
@@ -3045,7 +3045,7 @@
           <a:p>
             <a:fld id="{DC3B8377-21E3-4835-B75D-4E2847E2750F}" type="datetime1">
               <a:rPr lang="en-US" smtClean="0"/>
-              <a:t>10/1/2017</a:t>
+              <a:t>10/9/2017</a:t>
             </a:fld>
             <a:endParaRPr lang="en-US"/>
           </a:p>
@@ -3260,7 +3260,7 @@
           <a:p>
             <a:fld id="{B0C4986D-6BE9-4264-908F-02DB36FD8D6C}" type="datetime1">
               <a:rPr lang="en-US" smtClean="0"/>
-              <a:t>10/1/2017</a:t>
+              <a:t>10/9/2017</a:t>
             </a:fld>
             <a:endParaRPr lang="en-US" dirty="0"/>
           </a:p>
@@ -3876,7 +3876,7 @@
           <a:p>
             <a:fld id="{216C5678-EE20-4FA5-88E2-6E0BD67A2E26}" type="datetime1">
               <a:rPr lang="en-US" smtClean="0"/>
-              <a:t>10/1/2017</a:t>
+              <a:t>10/9/2017</a:t>
             </a:fld>
             <a:endParaRPr lang="en-US" dirty="0"/>
           </a:p>
@@ -4744,7 +4744,7 @@
           <a:p>
             <a:fld id="{216C5678-EE20-4FA5-88E2-6E0BD67A2E26}" type="datetime1">
               <a:rPr lang="en-US" smtClean="0"/>
-              <a:t>10/1/2017</a:t>
+              <a:t>10/9/2017</a:t>
             </a:fld>
             <a:endParaRPr lang="en-US" dirty="0"/>
           </a:p>
@@ -4809,7 +4809,7 @@
         </p:nvSpPr>
         <p:spPr>
           <a:xfrm>
-            <a:off x="2438400" y="1752600"/>
+            <a:off x="1447800" y="457200"/>
             <a:ext cx="4343400" cy="1676400"/>
           </a:xfrm>
         </p:spPr>
@@ -4823,6 +4823,170 @@
               <a:t>Live Demo</a:t>
             </a:r>
             <a:endParaRPr lang="en-US" sz="6000" dirty="0"/>
+          </a:p>
+        </p:txBody>
+      </p:sp>
+      <p:sp>
+        <p:nvSpPr>
+          <p:cNvPr id="2" name="Rectangle 1"/>
+          <p:cNvSpPr/>
+          <p:nvPr/>
+        </p:nvSpPr>
+        <p:spPr>
+          <a:xfrm>
+            <a:off x="762000" y="2590800"/>
+            <a:ext cx="7188186" cy="2976328"/>
+          </a:xfrm>
+          <a:prstGeom prst="rect">
+            <a:avLst/>
+          </a:prstGeom>
+        </p:spPr>
+        <p:txBody>
+          <a:bodyPr wrap="none">
+            <a:spAutoFit/>
+          </a:bodyPr>
+          <a:lstStyle/>
+          <a:p>
+            <a:pPr>
+              <a:lnSpc>
+                <a:spcPct val="107000"/>
+              </a:lnSpc>
+              <a:spcAft>
+                <a:spcPts val="800"/>
+              </a:spcAft>
+            </a:pPr>
+            <a:r>
+              <a:rPr lang="en-US" sz="2400" b="1" dirty="0">
+                <a:ea typeface="Calibri" panose="020F0502020204030204" pitchFamily="34" charset="0"/>
+                <a:cs typeface="Times New Roman" panose="02020603050405020304" pitchFamily="18" charset="0"/>
+              </a:rPr>
+              <a:t>Scenario 1:  Creating a new project workflow</a:t>
+            </a:r>
+            <a:r>
+              <a:rPr lang="en-US" sz="2400" b="1" dirty="0" smtClean="0">
+                <a:ea typeface="Calibri" panose="020F0502020204030204" pitchFamily="34" charset="0"/>
+                <a:cs typeface="Times New Roman" panose="02020603050405020304" pitchFamily="18" charset="0"/>
+              </a:rPr>
+              <a:t>:</a:t>
+            </a:r>
+          </a:p>
+          <a:p>
+            <a:pPr>
+              <a:lnSpc>
+                <a:spcPct val="107000"/>
+              </a:lnSpc>
+              <a:spcAft>
+                <a:spcPts val="800"/>
+              </a:spcAft>
+            </a:pPr>
+            <a:r>
+              <a:rPr lang="en-US" sz="2400" b="1" dirty="0"/>
+              <a:t>Scenario 2:  Using </a:t>
+            </a:r>
+            <a:r>
+              <a:rPr lang="en-US" sz="2400" b="1" dirty="0" err="1"/>
+              <a:t>Git</a:t>
+            </a:r>
+            <a:r>
+              <a:rPr lang="en-US" sz="2400" b="1" dirty="0"/>
+              <a:t> to work offline for existing </a:t>
+            </a:r>
+            <a:endParaRPr lang="en-US" sz="2400" b="1" dirty="0" smtClean="0"/>
+          </a:p>
+          <a:p>
+            <a:pPr>
+              <a:lnSpc>
+                <a:spcPct val="107000"/>
+              </a:lnSpc>
+              <a:spcAft>
+                <a:spcPts val="800"/>
+              </a:spcAft>
+            </a:pPr>
+            <a:r>
+              <a:rPr lang="en-US" sz="2400" b="1" dirty="0"/>
+              <a:t> </a:t>
+            </a:r>
+            <a:r>
+              <a:rPr lang="en-US" sz="2400" b="1" dirty="0" smtClean="0"/>
+              <a:t>                     subversion </a:t>
+            </a:r>
+            <a:r>
+              <a:rPr lang="en-US" sz="2400" b="1" dirty="0"/>
+              <a:t>project</a:t>
+            </a:r>
+            <a:endParaRPr lang="en-US" sz="2400" dirty="0"/>
+          </a:p>
+          <a:p>
+            <a:pPr>
+              <a:lnSpc>
+                <a:spcPct val="107000"/>
+              </a:lnSpc>
+              <a:spcAft>
+                <a:spcPts val="800"/>
+              </a:spcAft>
+            </a:pPr>
+            <a:r>
+              <a:rPr lang="en-US" sz="2400" b="1" dirty="0"/>
+              <a:t>Scenario 3:  Remote branch for reset.</a:t>
+            </a:r>
+            <a:endParaRPr lang="en-US" sz="2400" dirty="0"/>
+          </a:p>
+          <a:p>
+            <a:pPr>
+              <a:lnSpc>
+                <a:spcPct val="107000"/>
+              </a:lnSpc>
+              <a:spcAft>
+                <a:spcPts val="800"/>
+              </a:spcAft>
+            </a:pPr>
+            <a:r>
+              <a:rPr lang="en-US" sz="2400" b="1" dirty="0"/>
+              <a:t>Scenario 4:  Stash push/pop </a:t>
+            </a:r>
+            <a:endParaRPr lang="en-US" sz="2400" b="1" dirty="0" smtClean="0"/>
+          </a:p>
+          <a:p>
+            <a:pPr>
+              <a:lnSpc>
+                <a:spcPct val="107000"/>
+              </a:lnSpc>
+              <a:spcAft>
+                <a:spcPts val="800"/>
+              </a:spcAft>
+            </a:pPr>
+            <a:r>
+              <a:rPr lang="en-US" sz="2400" b="1" dirty="0" smtClean="0">
+                <a:ea typeface="Calibri" panose="020F0502020204030204" pitchFamily="34" charset="0"/>
+                <a:cs typeface="Times New Roman" panose="02020603050405020304" pitchFamily="18" charset="0"/>
+              </a:rPr>
+              <a:t>Scenario 5</a:t>
+            </a:r>
+            <a:r>
+              <a:rPr lang="en-US" sz="2400" b="1" smtClean="0">
+                <a:ea typeface="Calibri" panose="020F0502020204030204" pitchFamily="34" charset="0"/>
+                <a:cs typeface="Times New Roman" panose="02020603050405020304" pitchFamily="18" charset="0"/>
+              </a:rPr>
+              <a:t>:  Clone </a:t>
+            </a:r>
+            <a:r>
+              <a:rPr lang="en-US" sz="2400" b="1" dirty="0" err="1" smtClean="0">
+                <a:ea typeface="Calibri" panose="020F0502020204030204" pitchFamily="34" charset="0"/>
+                <a:cs typeface="Times New Roman" panose="02020603050405020304" pitchFamily="18" charset="0"/>
+              </a:rPr>
+              <a:t>Jquery</a:t>
+            </a:r>
+            <a:r>
+              <a:rPr lang="en-US" sz="2400" b="1" dirty="0" smtClean="0">
+                <a:ea typeface="Calibri" panose="020F0502020204030204" pitchFamily="34" charset="0"/>
+                <a:cs typeface="Times New Roman" panose="02020603050405020304" pitchFamily="18" charset="0"/>
+              </a:rPr>
+              <a:t> repo</a:t>
+            </a:r>
+            <a:endParaRPr lang="en-US" sz="2400" dirty="0">
+              <a:ea typeface="Calibri" panose="020F0502020204030204" pitchFamily="34" charset="0"/>
+              <a:cs typeface="Times New Roman" panose="02020603050405020304" pitchFamily="18" charset="0"/>
+            </a:endParaRPr>
           </a:p>
         </p:txBody>
       </p:sp>
@@ -4981,7 +5145,7 @@
           <a:p>
             <a:fld id="{216C5678-EE20-4FA5-88E2-6E0BD67A2E26}" type="datetime1">
               <a:rPr lang="en-US" smtClean="0"/>
-              <a:t>10/1/2017</a:t>
+              <a:t>10/9/2017</a:t>
             </a:fld>
             <a:endParaRPr lang="en-US" dirty="0"/>
           </a:p>
@@ -5227,7 +5391,7 @@
           <a:p>
             <a:fld id="{216C5678-EE20-4FA5-88E2-6E0BD67A2E26}" type="datetime1">
               <a:rPr lang="en-US" smtClean="0"/>
-              <a:t>10/1/2017</a:t>
+              <a:t>10/9/2017</a:t>
             </a:fld>
             <a:endParaRPr lang="en-US" dirty="0"/>
           </a:p>
@@ -5456,7 +5620,7 @@
           <a:p>
             <a:fld id="{216C5678-EE20-4FA5-88E2-6E0BD67A2E26}" type="datetime1">
               <a:rPr lang="en-US" smtClean="0"/>
-              <a:t>10/1/2017</a:t>
+              <a:t>10/9/2017</a:t>
             </a:fld>
             <a:endParaRPr lang="en-US" dirty="0"/>
           </a:p>
@@ -5736,7 +5900,7 @@
           <a:p>
             <a:fld id="{216C5678-EE20-4FA5-88E2-6E0BD67A2E26}" type="datetime1">
               <a:rPr lang="en-US" smtClean="0"/>
-              <a:t>10/1/2017</a:t>
+              <a:t>10/9/2017</a:t>
             </a:fld>
             <a:endParaRPr lang="en-US" dirty="0"/>
           </a:p>
@@ -5971,7 +6135,7 @@
           <a:p>
             <a:fld id="{216C5678-EE20-4FA5-88E2-6E0BD67A2E26}" type="datetime1">
               <a:rPr lang="en-US" smtClean="0"/>
-              <a:t>10/1/2017</a:t>
+              <a:t>10/9/2017</a:t>
             </a:fld>
             <a:endParaRPr lang="en-US" dirty="0"/>
           </a:p>
@@ -6071,7 +6235,7 @@
           <a:p>
             <a:fld id="{216C5678-EE20-4FA5-88E2-6E0BD67A2E26}" type="datetime1">
               <a:rPr lang="en-US" smtClean="0"/>
-              <a:t>10/1/2017</a:t>
+              <a:t>10/9/2017</a:t>
             </a:fld>
             <a:endParaRPr lang="en-US" dirty="0"/>
           </a:p>
@@ -6765,7 +6929,7 @@
           <a:p>
             <a:fld id="{216C5678-EE20-4FA5-88E2-6E0BD67A2E26}" type="datetime1">
               <a:rPr lang="en-US" smtClean="0"/>
-              <a:t>10/1/2017</a:t>
+              <a:t>10/9/2017</a:t>
             </a:fld>
             <a:endParaRPr lang="en-US" dirty="0"/>
           </a:p>
@@ -8243,7 +8407,7 @@
           <a:p>
             <a:fld id="{216C5678-EE20-4FA5-88E2-6E0BD67A2E26}" type="datetime1">
               <a:rPr lang="en-US" smtClean="0"/>
-              <a:t>10/1/2017</a:t>
+              <a:t>10/9/2017</a:t>
             </a:fld>
             <a:endParaRPr lang="en-US" dirty="0"/>
           </a:p>
@@ -8718,7 +8882,7 @@
           <a:p>
             <a:fld id="{216C5678-EE20-4FA5-88E2-6E0BD67A2E26}" type="datetime1">
               <a:rPr lang="en-US" smtClean="0"/>
-              <a:t>10/1/2017</a:t>
+              <a:t>10/9/2017</a:t>
             </a:fld>
             <a:endParaRPr lang="en-US" dirty="0"/>
           </a:p>
